--- a/2 am/بناء المشاريع 2/تقديم سكراتش 1/cours 13/عرض الدرس.pptx
+++ b/2 am/بناء المشاريع 2/تقديم سكراتش 1/cours 13/عرض الدرس.pptx
@@ -5,14 +5,16 @@
     <p:sldMasterId id="2147483648" r:id="rId1"/>
   </p:sldMasterIdLst>
   <p:notesMasterIdLst>
-    <p:notesMasterId r:id="rId7"/>
+    <p:notesMasterId r:id="rId9"/>
   </p:notesMasterIdLst>
   <p:sldIdLst>
     <p:sldId id="256" r:id="rId2"/>
     <p:sldId id="257" r:id="rId3"/>
     <p:sldId id="269" r:id="rId4"/>
-    <p:sldId id="268" r:id="rId5"/>
-    <p:sldId id="266" r:id="rId6"/>
+    <p:sldId id="270" r:id="rId5"/>
+    <p:sldId id="268" r:id="rId6"/>
+    <p:sldId id="271" r:id="rId7"/>
+    <p:sldId id="266" r:id="rId8"/>
   </p:sldIdLst>
   <p:sldSz cx="12192000" cy="6858000"/>
   <p:notesSz cx="6858000" cy="9144000"/>
@@ -201,7 +203,7 @@
           <a:p>
             <a:fld id="{04809ED0-CAD5-44E1-91E8-3616676F7223}" type="datetimeFigureOut">
               <a:rPr lang="fr-FR" smtClean="0"/>
-              <a:t>22/02/2025</a:t>
+              <a:t>14/04/2025</a:t>
             </a:fld>
             <a:endParaRPr lang="fr-FR"/>
           </a:p>
@@ -637,6 +639,90 @@
 </p:notes>
 </file>
 
+<file path=ppt/notesSlides/notesSlide3.xml><?xml version="1.0" encoding="utf-8"?>
+<p:notes xmlns:a="http://schemas.openxmlformats.org/drawingml/2006/main" xmlns:r="http://schemas.openxmlformats.org/officeDocument/2006/relationships" xmlns:p="http://schemas.openxmlformats.org/presentationml/2006/main">
+  <p:cSld>
+    <p:spTree>
+      <p:nvGrpSpPr>
+        <p:cNvPr id="1" name=""/>
+        <p:cNvGrpSpPr/>
+        <p:nvPr/>
+      </p:nvGrpSpPr>
+      <p:grpSpPr>
+        <a:xfrm>
+          <a:off x="0" y="0"/>
+          <a:ext cx="0" cy="0"/>
+          <a:chOff x="0" y="0"/>
+          <a:chExt cx="0" cy="0"/>
+        </a:xfrm>
+      </p:grpSpPr>
+      <p:sp>
+        <p:nvSpPr>
+          <p:cNvPr id="2" name="Espace réservé de l'image des diapositives 1"/>
+          <p:cNvSpPr>
+            <a:spLocks noGrp="1" noRot="1" noChangeAspect="1"/>
+          </p:cNvSpPr>
+          <p:nvPr>
+            <p:ph type="sldImg"/>
+          </p:nvPr>
+        </p:nvSpPr>
+        <p:spPr/>
+      </p:sp>
+      <p:sp>
+        <p:nvSpPr>
+          <p:cNvPr id="3" name="Espace réservé des commentaires 2"/>
+          <p:cNvSpPr>
+            <a:spLocks noGrp="1"/>
+          </p:cNvSpPr>
+          <p:nvPr>
+            <p:ph type="body" idx="1"/>
+          </p:nvPr>
+        </p:nvSpPr>
+        <p:spPr/>
+        <p:txBody>
+          <a:bodyPr/>
+          <a:lstStyle/>
+          <a:p>
+            <a:endParaRPr lang="fr-FR" dirty="0"/>
+          </a:p>
+        </p:txBody>
+      </p:sp>
+      <p:sp>
+        <p:nvSpPr>
+          <p:cNvPr id="4" name="Espace réservé du numéro de diapositive 3"/>
+          <p:cNvSpPr>
+            <a:spLocks noGrp="1"/>
+          </p:cNvSpPr>
+          <p:nvPr>
+            <p:ph type="sldNum" sz="quarter" idx="10"/>
+          </p:nvPr>
+        </p:nvSpPr>
+        <p:spPr/>
+        <p:txBody>
+          <a:bodyPr/>
+          <a:lstStyle/>
+          <a:p>
+            <a:fld id="{026C633B-D051-4BE3-A8CB-7736F551B52D}" type="slidenum">
+              <a:rPr lang="fr-FR" smtClean="0"/>
+              <a:t>4</a:t>
+            </a:fld>
+            <a:endParaRPr lang="fr-FR"/>
+          </a:p>
+        </p:txBody>
+      </p:sp>
+    </p:spTree>
+    <p:extLst>
+      <p:ext uri="{BB962C8B-B14F-4D97-AF65-F5344CB8AC3E}">
+        <p14:creationId xmlns:p14="http://schemas.microsoft.com/office/powerpoint/2010/main" val="2431672017"/>
+      </p:ext>
+    </p:extLst>
+  </p:cSld>
+  <p:clrMapOvr>
+    <a:masterClrMapping/>
+  </p:clrMapOvr>
+</p:notes>
+</file>
+
 <file path=ppt/slideLayouts/slideLayout1.xml><?xml version="1.0" encoding="utf-8"?>
 <p:sldLayout xmlns:a="http://schemas.openxmlformats.org/drawingml/2006/main" xmlns:r="http://schemas.openxmlformats.org/officeDocument/2006/relationships" xmlns:p="http://schemas.openxmlformats.org/presentationml/2006/main" type="title" preserve="1">
   <p:cSld name="Diapositive de titre">
@@ -768,7 +854,7 @@
           <a:p>
             <a:fld id="{16B4F739-B7D4-4EFD-BF14-44542778AB9F}" type="datetimeFigureOut">
               <a:rPr lang="fr-FR" smtClean="0"/>
-              <a:t>22/02/2025</a:t>
+              <a:t>14/04/2025</a:t>
             </a:fld>
             <a:endParaRPr lang="fr-FR"/>
           </a:p>
@@ -938,7 +1024,7 @@
           <a:p>
             <a:fld id="{16B4F739-B7D4-4EFD-BF14-44542778AB9F}" type="datetimeFigureOut">
               <a:rPr lang="fr-FR" smtClean="0"/>
-              <a:t>22/02/2025</a:t>
+              <a:t>14/04/2025</a:t>
             </a:fld>
             <a:endParaRPr lang="fr-FR"/>
           </a:p>
@@ -1118,7 +1204,7 @@
           <a:p>
             <a:fld id="{16B4F739-B7D4-4EFD-BF14-44542778AB9F}" type="datetimeFigureOut">
               <a:rPr lang="fr-FR" smtClean="0"/>
-              <a:t>22/02/2025</a:t>
+              <a:t>14/04/2025</a:t>
             </a:fld>
             <a:endParaRPr lang="fr-FR"/>
           </a:p>
@@ -1288,7 +1374,7 @@
           <a:p>
             <a:fld id="{16B4F739-B7D4-4EFD-BF14-44542778AB9F}" type="datetimeFigureOut">
               <a:rPr lang="fr-FR" smtClean="0"/>
-              <a:t>22/02/2025</a:t>
+              <a:t>14/04/2025</a:t>
             </a:fld>
             <a:endParaRPr lang="fr-FR"/>
           </a:p>
@@ -1534,7 +1620,7 @@
           <a:p>
             <a:fld id="{16B4F739-B7D4-4EFD-BF14-44542778AB9F}" type="datetimeFigureOut">
               <a:rPr lang="fr-FR" smtClean="0"/>
-              <a:t>22/02/2025</a:t>
+              <a:t>14/04/2025</a:t>
             </a:fld>
             <a:endParaRPr lang="fr-FR"/>
           </a:p>
@@ -1766,7 +1852,7 @@
           <a:p>
             <a:fld id="{16B4F739-B7D4-4EFD-BF14-44542778AB9F}" type="datetimeFigureOut">
               <a:rPr lang="fr-FR" smtClean="0"/>
-              <a:t>22/02/2025</a:t>
+              <a:t>14/04/2025</a:t>
             </a:fld>
             <a:endParaRPr lang="fr-FR"/>
           </a:p>
@@ -2133,7 +2219,7 @@
           <a:p>
             <a:fld id="{16B4F739-B7D4-4EFD-BF14-44542778AB9F}" type="datetimeFigureOut">
               <a:rPr lang="fr-FR" smtClean="0"/>
-              <a:t>22/02/2025</a:t>
+              <a:t>14/04/2025</a:t>
             </a:fld>
             <a:endParaRPr lang="fr-FR"/>
           </a:p>
@@ -2251,7 +2337,7 @@
           <a:p>
             <a:fld id="{16B4F739-B7D4-4EFD-BF14-44542778AB9F}" type="datetimeFigureOut">
               <a:rPr lang="fr-FR" smtClean="0"/>
-              <a:t>22/02/2025</a:t>
+              <a:t>14/04/2025</a:t>
             </a:fld>
             <a:endParaRPr lang="fr-FR"/>
           </a:p>
@@ -2346,7 +2432,7 @@
           <a:p>
             <a:fld id="{16B4F739-B7D4-4EFD-BF14-44542778AB9F}" type="datetimeFigureOut">
               <a:rPr lang="fr-FR" smtClean="0"/>
-              <a:t>22/02/2025</a:t>
+              <a:t>14/04/2025</a:t>
             </a:fld>
             <a:endParaRPr lang="fr-FR"/>
           </a:p>
@@ -2623,7 +2709,7 @@
           <a:p>
             <a:fld id="{16B4F739-B7D4-4EFD-BF14-44542778AB9F}" type="datetimeFigureOut">
               <a:rPr lang="fr-FR" smtClean="0"/>
-              <a:t>22/02/2025</a:t>
+              <a:t>14/04/2025</a:t>
             </a:fld>
             <a:endParaRPr lang="fr-FR"/>
           </a:p>
@@ -2876,7 +2962,7 @@
           <a:p>
             <a:fld id="{16B4F739-B7D4-4EFD-BF14-44542778AB9F}" type="datetimeFigureOut">
               <a:rPr lang="fr-FR" smtClean="0"/>
-              <a:t>22/02/2025</a:t>
+              <a:t>14/04/2025</a:t>
             </a:fld>
             <a:endParaRPr lang="fr-FR"/>
           </a:p>
@@ -3119,7 +3205,7 @@
           <a:p>
             <a:fld id="{16B4F739-B7D4-4EFD-BF14-44542778AB9F}" type="datetimeFigureOut">
               <a:rPr lang="fr-FR" smtClean="0"/>
-              <a:t>22/02/2025</a:t>
+              <a:t>14/04/2025</a:t>
             </a:fld>
             <a:endParaRPr lang="fr-FR"/>
           </a:p>
@@ -3599,7 +3685,7 @@
         </p:nvSpPr>
         <p:spPr>
           <a:xfrm>
-            <a:off x="331305" y="1688515"/>
+            <a:off x="331305" y="1463228"/>
             <a:ext cx="11460645" cy="1200329"/>
           </a:xfrm>
           <a:prstGeom prst="rect">
@@ -3618,69 +3704,1871 @@
             </a:pPr>
             <a:r>
               <a:rPr lang="ar-DZ" sz="3600" dirty="0" smtClean="0"/>
-              <a:t>التبويب </a:t>
+              <a:t>كيف </a:t>
             </a:r>
             <a:r>
               <a:rPr lang="ar-DZ" sz="3600" dirty="0"/>
-              <a:t>الذي يسمح بإدراج جداول، أشكال، صور و نص فني هو </a:t>
-            </a:r>
-            <a:endParaRPr lang="ar-DZ" sz="3600" dirty="0" smtClean="0"/>
-          </a:p>
-          <a:p>
-            <a:pPr lvl="1" algn="r" rtl="1"/>
+              <a:t>يمكننا فتح برنامج </a:t>
+            </a:r>
+            <a:r>
+              <a:rPr lang="ar-DZ" sz="3600" dirty="0" err="1"/>
+              <a:t>سكراتش</a:t>
+            </a:r>
+            <a:r>
+              <a:rPr lang="ar-DZ" sz="3600" dirty="0"/>
+              <a:t> ؟ </a:t>
+            </a:r>
+          </a:p>
+          <a:p>
+            <a:pPr marL="571500" indent="-571500" algn="r" rtl="1">
+              <a:buFont typeface="Wingdings" panose="05000000000000000000" pitchFamily="2" charset="2"/>
+              <a:buChar char="Ø"/>
+            </a:pPr>
             <a:r>
               <a:rPr lang="ar-DZ" sz="3600" dirty="0" smtClean="0"/>
-              <a:t>.....................</a:t>
-            </a:r>
-            <a:endParaRPr lang="ar-DZ" sz="3600" dirty="0"/>
-          </a:p>
-        </p:txBody>
-      </p:sp>
-      <p:sp>
-        <p:nvSpPr>
-          <p:cNvPr id="3" name="ZoneTexte 2"/>
-          <p:cNvSpPr txBox="1"/>
+              <a:t>إليك </a:t>
+            </a:r>
+            <a:r>
+              <a:rPr lang="ar-DZ" sz="3600" dirty="0"/>
+              <a:t>عناصر الواجهة، ما اسم هذه المناطق و ما دورها ؟ </a:t>
+            </a:r>
+          </a:p>
+        </p:txBody>
+      </p:sp>
+    </p:spTree>
+    <p:extLst>
+      <p:ext uri="{BB962C8B-B14F-4D97-AF65-F5344CB8AC3E}">
+        <p14:creationId xmlns:p14="http://schemas.microsoft.com/office/powerpoint/2010/main" val="845848707"/>
+      </p:ext>
+    </p:extLst>
+  </p:cSld>
+  <p:clrMapOvr>
+    <a:masterClrMapping/>
+  </p:clrMapOvr>
+  <p:timing>
+    <p:tnLst>
+      <p:par>
+        <p:cTn id="1" dur="indefinite" restart="never" nodeType="tmRoot"/>
+      </p:par>
+    </p:tnLst>
+  </p:timing>
+</p:sld>
+</file>
+
+<file path=ppt/slides/slide2.xml><?xml version="1.0" encoding="utf-8"?>
+<p:sld xmlns:a="http://schemas.openxmlformats.org/drawingml/2006/main" xmlns:r="http://schemas.openxmlformats.org/officeDocument/2006/relationships" xmlns:p="http://schemas.openxmlformats.org/presentationml/2006/main">
+  <p:cSld>
+    <p:bg>
+      <p:bgPr>
+        <a:solidFill>
+          <a:schemeClr val="bg1"/>
+        </a:solidFill>
+        <a:effectLst/>
+      </p:bgPr>
+    </p:bg>
+    <p:spTree>
+      <p:nvGrpSpPr>
+        <p:cNvPr id="1" name=""/>
+        <p:cNvGrpSpPr/>
+        <p:nvPr/>
+      </p:nvGrpSpPr>
+      <p:grpSpPr>
+        <a:xfrm>
+          <a:off x="0" y="0"/>
+          <a:ext cx="0" cy="0"/>
+          <a:chOff x="0" y="0"/>
+          <a:chExt cx="0" cy="0"/>
+        </a:xfrm>
+      </p:grpSpPr>
+      <p:sp>
+        <p:nvSpPr>
+          <p:cNvPr id="4" name="Rectangle 3"/>
+          <p:cNvSpPr/>
           <p:nvPr/>
         </p:nvSpPr>
         <p:spPr>
           <a:xfrm>
-            <a:off x="8587409" y="2288679"/>
-            <a:ext cx="2703444" cy="646331"/>
+            <a:off x="0" y="145774"/>
+            <a:ext cx="12191999" cy="729430"/>
           </a:xfrm>
           <a:prstGeom prst="rect">
             <a:avLst/>
           </a:prstGeom>
-          <a:solidFill>
-            <a:schemeClr val="bg1"/>
-          </a:solidFill>
         </p:spPr>
         <p:txBody>
-          <a:bodyPr wrap="square" rtlCol="0">
+          <a:bodyPr wrap="square">
             <a:spAutoFit/>
           </a:bodyPr>
           <a:lstStyle/>
           <a:p>
-            <a:pPr algn="ctr"/>
-            <a:r>
-              <a:rPr lang="fr-FR" sz="3600" b="1" dirty="0" smtClean="0">
+            <a:pPr algn="ctr" rtl="1">
+              <a:lnSpc>
+                <a:spcPct val="115000"/>
+              </a:lnSpc>
+              <a:spcAft>
+                <a:spcPts val="1000"/>
+              </a:spcAft>
+            </a:pPr>
+            <a:r>
+              <a:rPr lang="ar-DZ" sz="3600" b="1" u="sng" dirty="0">
+                <a:solidFill>
+                  <a:srgbClr val="FF0000"/>
+                </a:solidFill>
+                <a:latin typeface="Calibri" panose="020F0502020204030204" pitchFamily="34" charset="0"/>
+                <a:ea typeface="Times New Roman" panose="02020603050405020304" pitchFamily="18" charset="0"/>
+                <a:cs typeface="Times New Roman" panose="02020603050405020304" pitchFamily="18" charset="0"/>
+              </a:rPr>
+              <a:t>الوضعية </a:t>
+            </a:r>
+            <a:r>
+              <a:rPr lang="ar-DZ" sz="3600" b="1" u="sng" dirty="0" err="1">
+                <a:solidFill>
+                  <a:srgbClr val="FF0000"/>
+                </a:solidFill>
+                <a:latin typeface="Calibri" panose="020F0502020204030204" pitchFamily="34" charset="0"/>
+                <a:ea typeface="Times New Roman" panose="02020603050405020304" pitchFamily="18" charset="0"/>
+                <a:cs typeface="Times New Roman" panose="02020603050405020304" pitchFamily="18" charset="0"/>
+              </a:rPr>
+              <a:t>الإنطلاقية</a:t>
+            </a:r>
+            <a:r>
+              <a:rPr lang="ar-DZ" sz="3600" b="1" u="sng" dirty="0">
+                <a:solidFill>
+                  <a:srgbClr val="FF0000"/>
+                </a:solidFill>
+                <a:latin typeface="Calibri" panose="020F0502020204030204" pitchFamily="34" charset="0"/>
+                <a:ea typeface="Times New Roman" panose="02020603050405020304" pitchFamily="18" charset="0"/>
+                <a:cs typeface="Times New Roman" panose="02020603050405020304" pitchFamily="18" charset="0"/>
+              </a:rPr>
+              <a:t> :</a:t>
+            </a:r>
+            <a:endParaRPr lang="fr-FR" sz="3600" b="1" dirty="0">
+              <a:effectLst/>
+              <a:latin typeface="Calibri" panose="020F0502020204030204" pitchFamily="34" charset="0"/>
+              <a:ea typeface="Times New Roman" panose="02020603050405020304" pitchFamily="18" charset="0"/>
+              <a:cs typeface="Arial" panose="020B0604020202020204" pitchFamily="34" charset="0"/>
+            </a:endParaRPr>
+          </a:p>
+        </p:txBody>
+      </p:sp>
+      <p:sp>
+        <p:nvSpPr>
+          <p:cNvPr id="3" name="Rectangle 2"/>
+          <p:cNvSpPr/>
+          <p:nvPr/>
+        </p:nvSpPr>
+        <p:spPr>
+          <a:xfrm>
+            <a:off x="463827" y="1230337"/>
+            <a:ext cx="11565784" cy="3046988"/>
+          </a:xfrm>
+          <a:prstGeom prst="rect">
+            <a:avLst/>
+          </a:prstGeom>
+        </p:spPr>
+        <p:txBody>
+          <a:bodyPr wrap="square">
+            <a:spAutoFit/>
+          </a:bodyPr>
+          <a:lstStyle/>
+          <a:p>
+            <a:pPr marL="457200" indent="-457200" algn="r" rtl="1">
+              <a:lnSpc>
+                <a:spcPct val="150000"/>
+              </a:lnSpc>
+              <a:buFont typeface="Wingdings" panose="05000000000000000000" pitchFamily="2" charset="2"/>
+              <a:buChar char="Ø"/>
+            </a:pPr>
+            <a:r>
+              <a:rPr lang="ar-DZ" sz="3200" dirty="0" smtClean="0"/>
+              <a:t>عند </a:t>
+            </a:r>
+            <a:r>
+              <a:rPr lang="ar-DZ" sz="3200" dirty="0"/>
+              <a:t>فتح برنامج </a:t>
+            </a:r>
+            <a:r>
+              <a:rPr lang="ar-DZ" sz="3200" dirty="0" err="1"/>
+              <a:t>سكراتش</a:t>
+            </a:r>
+            <a:r>
+              <a:rPr lang="ar-DZ" sz="3200" dirty="0"/>
+              <a:t>، ما الكائن الذي نجده. </a:t>
+            </a:r>
+          </a:p>
+          <a:p>
+            <a:pPr marL="457200" indent="-457200" algn="r" rtl="1">
+              <a:lnSpc>
+                <a:spcPct val="150000"/>
+              </a:lnSpc>
+              <a:buFont typeface="Wingdings" panose="05000000000000000000" pitchFamily="2" charset="2"/>
+              <a:buChar char="Ø"/>
+            </a:pPr>
+            <a:r>
+              <a:rPr lang="ar-DZ" sz="3200" dirty="0" smtClean="0"/>
+              <a:t>نريد </a:t>
+            </a:r>
+            <a:r>
+              <a:rPr lang="ar-DZ" sz="3200" dirty="0"/>
+              <a:t>إنشاء مشروع جديد لكائن </a:t>
+            </a:r>
+            <a:r>
+              <a:rPr lang="ar-DZ" sz="3200" dirty="0" smtClean="0"/>
+              <a:t>البالون</a:t>
+            </a:r>
+            <a:r>
+              <a:rPr lang="fr-FR" sz="3200" dirty="0" smtClean="0"/>
+              <a:t>Ballon</a:t>
+            </a:r>
+            <a:r>
+              <a:rPr lang="fr-FR" sz="3200" dirty="0"/>
+              <a:t>) </a:t>
+            </a:r>
+            <a:r>
+              <a:rPr lang="ar-DZ" sz="3200" dirty="0" smtClean="0"/>
+              <a:t>)  حيث </a:t>
+            </a:r>
+            <a:r>
+              <a:rPr lang="ar-DZ" sz="3200" dirty="0"/>
+              <a:t>نقوم بتكبير حجمه إلى 200 وتسميته بـ: "البالون" و نغيّر مكانه إلى </a:t>
+            </a:r>
+            <a:r>
+              <a:rPr lang="fr-FR" sz="3200" dirty="0"/>
+              <a:t>x=100 </a:t>
+            </a:r>
+            <a:r>
+              <a:rPr lang="ar-DZ" sz="3200" dirty="0" smtClean="0"/>
+              <a:t> و </a:t>
+            </a:r>
+            <a:r>
+              <a:rPr lang="fr-FR" sz="3200" dirty="0"/>
+              <a:t>y=150 </a:t>
+            </a:r>
+          </a:p>
+          <a:p>
+            <a:pPr marL="457200" indent="-457200" algn="r" rtl="1">
+              <a:lnSpc>
+                <a:spcPct val="150000"/>
+              </a:lnSpc>
+              <a:buFont typeface="Wingdings" panose="05000000000000000000" pitchFamily="2" charset="2"/>
+              <a:buChar char="Ø"/>
+            </a:pPr>
+            <a:r>
+              <a:rPr lang="ar-DZ" sz="3200" dirty="0" smtClean="0"/>
+              <a:t>برأيك </a:t>
+            </a:r>
+            <a:r>
+              <a:rPr lang="ar-DZ" sz="3200" dirty="0"/>
+              <a:t>كيف يمكننا إنشاء هذا المشروع و ما العملية الواجب فعلها كي لا يضيع ؟ </a:t>
+            </a:r>
+          </a:p>
+        </p:txBody>
+      </p:sp>
+    </p:spTree>
+    <p:extLst>
+      <p:ext uri="{BB962C8B-B14F-4D97-AF65-F5344CB8AC3E}">
+        <p14:creationId xmlns:p14="http://schemas.microsoft.com/office/powerpoint/2010/main" val="2209839172"/>
+      </p:ext>
+    </p:extLst>
+  </p:cSld>
+  <p:clrMapOvr>
+    <a:masterClrMapping/>
+  </p:clrMapOvr>
+  <p:transition spd="slow">
+    <p:push dir="u"/>
+  </p:transition>
+  <p:timing>
+    <p:tnLst>
+      <p:par>
+        <p:cTn id="1" dur="indefinite" restart="never" nodeType="tmRoot"/>
+      </p:par>
+    </p:tnLst>
+  </p:timing>
+</p:sld>
+</file>
+
+<file path=ppt/slides/slide3.xml><?xml version="1.0" encoding="utf-8"?>
+<p:sld xmlns:a="http://schemas.openxmlformats.org/drawingml/2006/main" xmlns:r="http://schemas.openxmlformats.org/officeDocument/2006/relationships" xmlns:p="http://schemas.openxmlformats.org/presentationml/2006/main">
+  <p:cSld>
+    <p:bg>
+      <p:bgPr>
+        <a:solidFill>
+          <a:schemeClr val="bg1"/>
+        </a:solidFill>
+        <a:effectLst/>
+      </p:bgPr>
+    </p:bg>
+    <p:spTree>
+      <p:nvGrpSpPr>
+        <p:cNvPr id="1" name=""/>
+        <p:cNvGrpSpPr/>
+        <p:nvPr/>
+      </p:nvGrpSpPr>
+      <p:grpSpPr>
+        <a:xfrm>
+          <a:off x="0" y="0"/>
+          <a:ext cx="0" cy="0"/>
+          <a:chOff x="0" y="0"/>
+          <a:chExt cx="0" cy="0"/>
+        </a:xfrm>
+      </p:grpSpPr>
+      <p:sp>
+        <p:nvSpPr>
+          <p:cNvPr id="4" name="Rectangle 3"/>
+          <p:cNvSpPr/>
+          <p:nvPr/>
+        </p:nvSpPr>
+        <p:spPr>
+          <a:xfrm>
+            <a:off x="0" y="133687"/>
+            <a:ext cx="11970469" cy="755400"/>
+          </a:xfrm>
+          <a:prstGeom prst="rect">
+            <a:avLst/>
+          </a:prstGeom>
+        </p:spPr>
+        <p:txBody>
+          <a:bodyPr wrap="square">
+            <a:spAutoFit/>
+          </a:bodyPr>
+          <a:lstStyle/>
+          <a:p>
+            <a:pPr algn="r" rtl="1">
+              <a:lnSpc>
+                <a:spcPct val="115000"/>
+              </a:lnSpc>
+              <a:spcAft>
+                <a:spcPts val="1000"/>
+              </a:spcAft>
+            </a:pPr>
+            <a:r>
+              <a:rPr lang="ar-DZ" sz="4000" b="1" u="sng" dirty="0" smtClean="0">
+                <a:solidFill>
+                  <a:srgbClr val="FF0000"/>
+                </a:solidFill>
+                <a:latin typeface="Calibri" panose="020F0502020204030204" pitchFamily="34" charset="0"/>
+                <a:ea typeface="Times New Roman" panose="02020603050405020304" pitchFamily="18" charset="0"/>
+                <a:cs typeface="Times New Roman" panose="02020603050405020304" pitchFamily="18" charset="0"/>
+              </a:rPr>
+              <a:t>نشاط </a:t>
+            </a:r>
+            <a:r>
+              <a:rPr lang="ar-DZ" sz="4000" b="1" u="sng" dirty="0" smtClean="0">
+                <a:solidFill>
+                  <a:srgbClr val="FF0000"/>
+                </a:solidFill>
+                <a:latin typeface="Calibri" panose="020F0502020204030204" pitchFamily="34" charset="0"/>
+                <a:ea typeface="Times New Roman" panose="02020603050405020304" pitchFamily="18" charset="0"/>
+                <a:cs typeface="Times New Roman" panose="02020603050405020304" pitchFamily="18" charset="0"/>
+              </a:rPr>
+              <a:t>01 :</a:t>
+            </a:r>
+            <a:endParaRPr lang="fr-FR" sz="3200" b="1" dirty="0">
+              <a:effectLst/>
+              <a:latin typeface="Calibri" panose="020F0502020204030204" pitchFamily="34" charset="0"/>
+              <a:ea typeface="Times New Roman" panose="02020603050405020304" pitchFamily="18" charset="0"/>
+              <a:cs typeface="Arial" panose="020B0604020202020204" pitchFamily="34" charset="0"/>
+            </a:endParaRPr>
+          </a:p>
+        </p:txBody>
+      </p:sp>
+      <p:sp>
+        <p:nvSpPr>
+          <p:cNvPr id="8" name="Rectangle 7"/>
+          <p:cNvSpPr/>
+          <p:nvPr/>
+        </p:nvSpPr>
+        <p:spPr>
+          <a:xfrm>
+            <a:off x="130643" y="982187"/>
+            <a:ext cx="11966713" cy="1077218"/>
+          </a:xfrm>
+          <a:prstGeom prst="rect">
+            <a:avLst/>
+          </a:prstGeom>
+        </p:spPr>
+        <p:txBody>
+          <a:bodyPr wrap="square">
+            <a:spAutoFit/>
+          </a:bodyPr>
+          <a:lstStyle/>
+          <a:p>
+            <a:pPr marL="457200" indent="-457200" algn="r" rtl="1">
+              <a:buFont typeface="Wingdings" panose="05000000000000000000" pitchFamily="2" charset="2"/>
+              <a:buChar char="Ø"/>
+            </a:pPr>
+            <a:r>
+              <a:rPr lang="ar-DZ" sz="3200" dirty="0" smtClean="0"/>
+              <a:t>لنفتح </a:t>
+            </a:r>
+            <a:r>
+              <a:rPr lang="ar-DZ" sz="3200" dirty="0"/>
+              <a:t>برنامج </a:t>
+            </a:r>
+            <a:r>
+              <a:rPr lang="ar-DZ" sz="3200" dirty="0" err="1"/>
+              <a:t>سكراتش</a:t>
+            </a:r>
+            <a:r>
+              <a:rPr lang="ar-DZ" sz="3200" dirty="0"/>
+              <a:t> و نبحث إذن عن كيفية إنشاء مشروع جديد </a:t>
+            </a:r>
+          </a:p>
+          <a:p>
+            <a:pPr marL="457200" indent="-457200" algn="r" rtl="1">
+              <a:buFont typeface="Wingdings" panose="05000000000000000000" pitchFamily="2" charset="2"/>
+              <a:buChar char="Ø"/>
+            </a:pPr>
+            <a:r>
+              <a:rPr lang="ar-DZ" sz="3200" dirty="0" smtClean="0"/>
+              <a:t>ما </a:t>
+            </a:r>
+            <a:r>
+              <a:rPr lang="ar-DZ" sz="3200" dirty="0"/>
+              <a:t>هي مراحلها ؟ </a:t>
+            </a:r>
+          </a:p>
+        </p:txBody>
+      </p:sp>
+      <p:sp>
+        <p:nvSpPr>
+          <p:cNvPr id="6" name="Rectangle 5"/>
+          <p:cNvSpPr/>
+          <p:nvPr/>
+        </p:nvSpPr>
+        <p:spPr>
+          <a:xfrm>
+            <a:off x="0" y="2597854"/>
+            <a:ext cx="11970469" cy="755400"/>
+          </a:xfrm>
+          <a:prstGeom prst="rect">
+            <a:avLst/>
+          </a:prstGeom>
+        </p:spPr>
+        <p:txBody>
+          <a:bodyPr wrap="square">
+            <a:spAutoFit/>
+          </a:bodyPr>
+          <a:lstStyle/>
+          <a:p>
+            <a:pPr algn="r" rtl="1">
+              <a:lnSpc>
+                <a:spcPct val="115000"/>
+              </a:lnSpc>
+              <a:spcAft>
+                <a:spcPts val="1000"/>
+              </a:spcAft>
+            </a:pPr>
+            <a:r>
+              <a:rPr lang="ar-DZ" sz="4000" b="1" u="sng" dirty="0" smtClean="0">
+                <a:solidFill>
+                  <a:srgbClr val="FF0000"/>
+                </a:solidFill>
+                <a:latin typeface="Calibri" panose="020F0502020204030204" pitchFamily="34" charset="0"/>
+                <a:ea typeface="Times New Roman" panose="02020603050405020304" pitchFamily="18" charset="0"/>
+                <a:cs typeface="Times New Roman" panose="02020603050405020304" pitchFamily="18" charset="0"/>
+              </a:rPr>
+              <a:t>نشاط </a:t>
+            </a:r>
+            <a:r>
+              <a:rPr lang="ar-DZ" sz="4000" b="1" u="sng" dirty="0" smtClean="0">
+                <a:solidFill>
+                  <a:srgbClr val="FF0000"/>
+                </a:solidFill>
+                <a:latin typeface="Calibri" panose="020F0502020204030204" pitchFamily="34" charset="0"/>
+                <a:ea typeface="Times New Roman" panose="02020603050405020304" pitchFamily="18" charset="0"/>
+                <a:cs typeface="Times New Roman" panose="02020603050405020304" pitchFamily="18" charset="0"/>
+              </a:rPr>
+              <a:t>02 :</a:t>
+            </a:r>
+            <a:endParaRPr lang="fr-FR" sz="3200" b="1" dirty="0">
+              <a:effectLst/>
+              <a:latin typeface="Calibri" panose="020F0502020204030204" pitchFamily="34" charset="0"/>
+              <a:ea typeface="Times New Roman" panose="02020603050405020304" pitchFamily="18" charset="0"/>
+              <a:cs typeface="Arial" panose="020B0604020202020204" pitchFamily="34" charset="0"/>
+            </a:endParaRPr>
+          </a:p>
+        </p:txBody>
+      </p:sp>
+      <p:sp>
+        <p:nvSpPr>
+          <p:cNvPr id="9" name="Rectangle 8"/>
+          <p:cNvSpPr/>
+          <p:nvPr/>
+        </p:nvSpPr>
+        <p:spPr>
+          <a:xfrm>
+            <a:off x="3755" y="3446354"/>
+            <a:ext cx="11966713" cy="2062103"/>
+          </a:xfrm>
+          <a:prstGeom prst="rect">
+            <a:avLst/>
+          </a:prstGeom>
+        </p:spPr>
+        <p:txBody>
+          <a:bodyPr wrap="square">
+            <a:spAutoFit/>
+          </a:bodyPr>
+          <a:lstStyle/>
+          <a:p>
+            <a:pPr marL="457200" indent="-457200" algn="r" rtl="1">
+              <a:buFont typeface="Wingdings" panose="05000000000000000000" pitchFamily="2" charset="2"/>
+              <a:buChar char="Ø"/>
+            </a:pPr>
+            <a:r>
+              <a:rPr lang="ar-DZ" sz="3200" dirty="0"/>
+              <a:t>ل</a:t>
+            </a:r>
+            <a:r>
+              <a:rPr lang="ar-DZ" sz="3200" dirty="0" smtClean="0"/>
+              <a:t>نحذف </a:t>
+            </a:r>
+            <a:r>
+              <a:rPr lang="ar-DZ" sz="3200" dirty="0"/>
+              <a:t>كائن القط و نضيف كائن </a:t>
+            </a:r>
+            <a:r>
+              <a:rPr lang="ar-DZ" sz="3200" dirty="0" smtClean="0"/>
+              <a:t>البالون</a:t>
+            </a:r>
+            <a:r>
+              <a:rPr lang="fr-FR" sz="3200" dirty="0" smtClean="0"/>
+              <a:t>Ballon</a:t>
+            </a:r>
+            <a:r>
+              <a:rPr lang="fr-FR" sz="3200" dirty="0"/>
+              <a:t>) </a:t>
+            </a:r>
+            <a:r>
+              <a:rPr lang="ar-DZ" sz="3200" dirty="0" smtClean="0"/>
+              <a:t>) حيث </a:t>
+            </a:r>
+            <a:r>
+              <a:rPr lang="ar-DZ" sz="3200" dirty="0"/>
+              <a:t>نقوم بتكبير حجمه إلى 200 وتسميته بـ: "البالون" و نغيّر مكانه إلى </a:t>
+            </a:r>
+            <a:r>
+              <a:rPr lang="fr-FR" sz="3200" dirty="0"/>
+              <a:t>x=100 </a:t>
+            </a:r>
+            <a:r>
+              <a:rPr lang="ar-DZ" sz="3200" dirty="0" smtClean="0"/>
+              <a:t>  و </a:t>
+            </a:r>
+            <a:r>
+              <a:rPr lang="fr-FR" sz="3200" dirty="0"/>
+              <a:t>y=150 </a:t>
+            </a:r>
+          </a:p>
+          <a:p>
+            <a:pPr marL="457200" indent="-457200" algn="r" rtl="1">
+              <a:buFont typeface="Wingdings" panose="05000000000000000000" pitchFamily="2" charset="2"/>
+              <a:buChar char="Ø"/>
+            </a:pPr>
+            <a:r>
+              <a:rPr lang="ar-DZ" sz="3200" dirty="0"/>
+              <a:t>ل</a:t>
+            </a:r>
+            <a:r>
+              <a:rPr lang="ar-DZ" sz="3200" dirty="0" smtClean="0"/>
+              <a:t>نبحث </a:t>
+            </a:r>
+            <a:r>
+              <a:rPr lang="ar-DZ" sz="3200" dirty="0"/>
+              <a:t>عن طريقة تسمح بحفظ هذا </a:t>
+            </a:r>
+            <a:r>
+              <a:rPr lang="ar-DZ" sz="3200" dirty="0" smtClean="0"/>
+              <a:t>المشروع.</a:t>
+            </a:r>
+          </a:p>
+          <a:p>
+            <a:pPr marL="457200" indent="-457200" algn="r" rtl="1">
+              <a:buFont typeface="Wingdings" panose="05000000000000000000" pitchFamily="2" charset="2"/>
+              <a:buChar char="Ø"/>
+            </a:pPr>
+            <a:r>
+              <a:rPr lang="ar-DZ" sz="3200" dirty="0" smtClean="0"/>
+              <a:t>ما </a:t>
+            </a:r>
+            <a:r>
+              <a:rPr lang="ar-DZ" sz="3200" dirty="0"/>
+              <a:t>هي مراحلها ؟ </a:t>
+            </a:r>
+          </a:p>
+        </p:txBody>
+      </p:sp>
+    </p:spTree>
+    <p:extLst>
+      <p:ext uri="{BB962C8B-B14F-4D97-AF65-F5344CB8AC3E}">
+        <p14:creationId xmlns:p14="http://schemas.microsoft.com/office/powerpoint/2010/main" val="3692245190"/>
+      </p:ext>
+    </p:extLst>
+  </p:cSld>
+  <p:clrMapOvr>
+    <a:masterClrMapping/>
+  </p:clrMapOvr>
+  <p:transition spd="slow">
+    <p:push dir="u"/>
+  </p:transition>
+  <p:timing>
+    <p:tnLst>
+      <p:par>
+        <p:cTn id="1" dur="indefinite" restart="never" nodeType="tmRoot"/>
+      </p:par>
+    </p:tnLst>
+  </p:timing>
+</p:sld>
+</file>
+
+<file path=ppt/slides/slide4.xml><?xml version="1.0" encoding="utf-8"?>
+<p:sld xmlns:a="http://schemas.openxmlformats.org/drawingml/2006/main" xmlns:r="http://schemas.openxmlformats.org/officeDocument/2006/relationships" xmlns:p="http://schemas.openxmlformats.org/presentationml/2006/main">
+  <p:cSld>
+    <p:bg>
+      <p:bgPr>
+        <a:solidFill>
+          <a:schemeClr val="bg1"/>
+        </a:solidFill>
+        <a:effectLst/>
+      </p:bgPr>
+    </p:bg>
+    <p:spTree>
+      <p:nvGrpSpPr>
+        <p:cNvPr id="1" name=""/>
+        <p:cNvGrpSpPr/>
+        <p:nvPr/>
+      </p:nvGrpSpPr>
+      <p:grpSpPr>
+        <a:xfrm>
+          <a:off x="0" y="0"/>
+          <a:ext cx="0" cy="0"/>
+          <a:chOff x="0" y="0"/>
+          <a:chExt cx="0" cy="0"/>
+        </a:xfrm>
+      </p:grpSpPr>
+      <p:sp>
+        <p:nvSpPr>
+          <p:cNvPr id="4" name="Rectangle 3"/>
+          <p:cNvSpPr/>
+          <p:nvPr/>
+        </p:nvSpPr>
+        <p:spPr>
+          <a:xfrm>
+            <a:off x="0" y="133687"/>
+            <a:ext cx="11970469" cy="755400"/>
+          </a:xfrm>
+          <a:prstGeom prst="rect">
+            <a:avLst/>
+          </a:prstGeom>
+        </p:spPr>
+        <p:txBody>
+          <a:bodyPr wrap="square">
+            <a:spAutoFit/>
+          </a:bodyPr>
+          <a:lstStyle/>
+          <a:p>
+            <a:pPr algn="r" rtl="1">
+              <a:lnSpc>
+                <a:spcPct val="115000"/>
+              </a:lnSpc>
+              <a:spcAft>
+                <a:spcPts val="1000"/>
+              </a:spcAft>
+            </a:pPr>
+            <a:r>
+              <a:rPr lang="ar-DZ" sz="4000" b="1" u="sng" dirty="0" smtClean="0">
+                <a:solidFill>
+                  <a:srgbClr val="FF0000"/>
+                </a:solidFill>
+                <a:latin typeface="Calibri" panose="020F0502020204030204" pitchFamily="34" charset="0"/>
+                <a:ea typeface="Times New Roman" panose="02020603050405020304" pitchFamily="18" charset="0"/>
+                <a:cs typeface="Times New Roman" panose="02020603050405020304" pitchFamily="18" charset="0"/>
+              </a:rPr>
+              <a:t>نشاط </a:t>
+            </a:r>
+            <a:r>
+              <a:rPr lang="ar-DZ" sz="4000" b="1" u="sng" dirty="0" smtClean="0">
+                <a:solidFill>
+                  <a:srgbClr val="FF0000"/>
+                </a:solidFill>
+                <a:latin typeface="Calibri" panose="020F0502020204030204" pitchFamily="34" charset="0"/>
+                <a:ea typeface="Times New Roman" panose="02020603050405020304" pitchFamily="18" charset="0"/>
+                <a:cs typeface="Times New Roman" panose="02020603050405020304" pitchFamily="18" charset="0"/>
+              </a:rPr>
+              <a:t>03 :</a:t>
+            </a:r>
+            <a:endParaRPr lang="fr-FR" sz="3200" b="1" dirty="0">
+              <a:effectLst/>
+              <a:latin typeface="Calibri" panose="020F0502020204030204" pitchFamily="34" charset="0"/>
+              <a:ea typeface="Times New Roman" panose="02020603050405020304" pitchFamily="18" charset="0"/>
+              <a:cs typeface="Arial" panose="020B0604020202020204" pitchFamily="34" charset="0"/>
+            </a:endParaRPr>
+          </a:p>
+        </p:txBody>
+      </p:sp>
+      <p:sp>
+        <p:nvSpPr>
+          <p:cNvPr id="8" name="Rectangle 7"/>
+          <p:cNvSpPr/>
+          <p:nvPr/>
+        </p:nvSpPr>
+        <p:spPr>
+          <a:xfrm>
+            <a:off x="130643" y="982187"/>
+            <a:ext cx="11966713" cy="1077218"/>
+          </a:xfrm>
+          <a:prstGeom prst="rect">
+            <a:avLst/>
+          </a:prstGeom>
+        </p:spPr>
+        <p:txBody>
+          <a:bodyPr wrap="square">
+            <a:spAutoFit/>
+          </a:bodyPr>
+          <a:lstStyle/>
+          <a:p>
+            <a:pPr marL="457200" indent="-457200" algn="r" rtl="1">
+              <a:buFont typeface="Wingdings" panose="05000000000000000000" pitchFamily="2" charset="2"/>
+              <a:buChar char="Ø"/>
+            </a:pPr>
+            <a:r>
+              <a:rPr lang="ar-DZ" sz="3200" dirty="0" smtClean="0"/>
+              <a:t>لنغلق </a:t>
+            </a:r>
+            <a:r>
+              <a:rPr lang="ar-DZ" sz="3200" dirty="0"/>
+              <a:t>برنامج </a:t>
+            </a:r>
+            <a:r>
+              <a:rPr lang="ar-DZ" sz="3200" dirty="0" err="1"/>
+              <a:t>سكراتش</a:t>
+            </a:r>
+            <a:r>
+              <a:rPr lang="ar-DZ" sz="3200" dirty="0"/>
+              <a:t> و نعيد فتحه. </a:t>
+            </a:r>
+          </a:p>
+          <a:p>
+            <a:pPr marL="457200" indent="-457200" algn="r" rtl="1">
+              <a:buFont typeface="Wingdings" panose="05000000000000000000" pitchFamily="2" charset="2"/>
+              <a:buChar char="Ø"/>
+            </a:pPr>
+            <a:r>
+              <a:rPr lang="ar-DZ" sz="3200" dirty="0" smtClean="0"/>
+              <a:t>انطلاقا </a:t>
+            </a:r>
+            <a:r>
+              <a:rPr lang="ar-DZ" sz="3200" dirty="0"/>
+              <a:t>من البرنامج لنبحث عن طريقة لفتح مشروعك. </a:t>
+            </a:r>
+          </a:p>
+        </p:txBody>
+      </p:sp>
+    </p:spTree>
+    <p:extLst>
+      <p:ext uri="{BB962C8B-B14F-4D97-AF65-F5344CB8AC3E}">
+        <p14:creationId xmlns:p14="http://schemas.microsoft.com/office/powerpoint/2010/main" val="2191360111"/>
+      </p:ext>
+    </p:extLst>
+  </p:cSld>
+  <p:clrMapOvr>
+    <a:masterClrMapping/>
+  </p:clrMapOvr>
+  <p:transition spd="slow">
+    <p:push dir="u"/>
+  </p:transition>
+  <p:timing>
+    <p:tnLst>
+      <p:par>
+        <p:cTn id="1" dur="indefinite" restart="never" nodeType="tmRoot"/>
+      </p:par>
+    </p:tnLst>
+  </p:timing>
+</p:sld>
+</file>
+
+<file path=ppt/slides/slide5.xml><?xml version="1.0" encoding="utf-8"?>
+<p:sld xmlns:a="http://schemas.openxmlformats.org/drawingml/2006/main" xmlns:r="http://schemas.openxmlformats.org/officeDocument/2006/relationships" xmlns:p="http://schemas.openxmlformats.org/presentationml/2006/main">
+  <p:cSld>
+    <p:bg>
+      <p:bgPr>
+        <a:gradFill flip="none" rotWithShape="1">
+          <a:gsLst>
+            <a:gs pos="0">
+              <a:schemeClr val="bg1"/>
+            </a:gs>
+            <a:gs pos="100000">
+              <a:schemeClr val="accent1">
+                <a:lumMod val="20000"/>
+                <a:lumOff val="80000"/>
+              </a:schemeClr>
+            </a:gs>
+          </a:gsLst>
+          <a:lin ang="5400000" scaled="1"/>
+          <a:tileRect/>
+        </a:gradFill>
+        <a:effectLst/>
+      </p:bgPr>
+    </p:bg>
+    <p:spTree>
+      <p:nvGrpSpPr>
+        <p:cNvPr id="1" name=""/>
+        <p:cNvGrpSpPr/>
+        <p:nvPr/>
+      </p:nvGrpSpPr>
+      <p:grpSpPr>
+        <a:xfrm>
+          <a:off x="0" y="0"/>
+          <a:ext cx="0" cy="0"/>
+          <a:chOff x="0" y="0"/>
+          <a:chExt cx="0" cy="0"/>
+        </a:xfrm>
+      </p:grpSpPr>
+      <p:sp>
+        <p:nvSpPr>
+          <p:cNvPr id="3" name="Rectangle 2"/>
+          <p:cNvSpPr/>
+          <p:nvPr/>
+        </p:nvSpPr>
+        <p:spPr>
+          <a:xfrm>
+            <a:off x="86536" y="255756"/>
+            <a:ext cx="11780804" cy="6329938"/>
+          </a:xfrm>
+          <a:prstGeom prst="rect">
+            <a:avLst/>
+          </a:prstGeom>
+        </p:spPr>
+        <p:txBody>
+          <a:bodyPr wrap="square">
+            <a:spAutoFit/>
+          </a:bodyPr>
+          <a:lstStyle/>
+          <a:p>
+            <a:pPr algn="r" rtl="1">
+              <a:spcAft>
+                <a:spcPts val="800"/>
+              </a:spcAft>
+            </a:pPr>
+            <a:r>
+              <a:rPr lang="ar-DZ" sz="3200" b="1" u="sng" dirty="0" smtClean="0">
                 <a:solidFill>
                   <a:srgbClr val="FF0000"/>
                 </a:solidFill>
               </a:rPr>
-              <a:t>Insertion</a:t>
-            </a:r>
-            <a:endParaRPr lang="fr-FR" sz="3600" b="1" dirty="0">
+              <a:t>1- إنشاء مشروع </a:t>
+            </a:r>
+            <a:r>
+              <a:rPr lang="ar-DZ" sz="3200" b="1" u="sng" dirty="0" smtClean="0">
+                <a:solidFill>
+                  <a:srgbClr val="FF0000"/>
+                </a:solidFill>
+              </a:rPr>
+              <a:t>:</a:t>
+            </a:r>
+            <a:endParaRPr lang="fr-FR" sz="3200" b="1" dirty="0">
               <a:solidFill>
                 <a:srgbClr val="FF0000"/>
               </a:solidFill>
             </a:endParaRPr>
           </a:p>
-        </p:txBody>
-      </p:sp>
+          <a:p>
+            <a:pPr algn="r" rtl="1">
+              <a:spcAft>
+                <a:spcPts val="800"/>
+              </a:spcAft>
+              <a:tabLst>
+                <a:tab pos="561340" algn="l"/>
+              </a:tabLst>
+            </a:pPr>
+            <a:r>
+              <a:rPr lang="ar-DZ" sz="3200" dirty="0"/>
+              <a:t> </a:t>
+            </a:r>
+            <a:r>
+              <a:rPr lang="ar-DZ" sz="3200" dirty="0" smtClean="0"/>
+              <a:t>القائمة ملف  </a:t>
+            </a:r>
+            <a:r>
+              <a:rPr lang="ar-DZ" sz="3200" dirty="0"/>
+              <a:t> </a:t>
+            </a:r>
+            <a:r>
+              <a:rPr lang="ar-DZ" sz="3200" dirty="0" smtClean="0"/>
+              <a:t>        التعليمة جديد</a:t>
+            </a:r>
+          </a:p>
+          <a:p>
+            <a:pPr algn="r" rtl="1">
+              <a:spcAft>
+                <a:spcPts val="800"/>
+              </a:spcAft>
+              <a:tabLst>
+                <a:tab pos="561340" algn="l"/>
+              </a:tabLst>
+            </a:pPr>
+            <a:endParaRPr lang="fr-FR" sz="3200" dirty="0"/>
+          </a:p>
+          <a:p>
+            <a:pPr algn="r" rtl="1">
+              <a:spcAft>
+                <a:spcPts val="800"/>
+              </a:spcAft>
+            </a:pPr>
+            <a:r>
+              <a:rPr lang="ar-DZ" sz="3200" b="1" u="sng" dirty="0">
+                <a:solidFill>
+                  <a:srgbClr val="FF0000"/>
+                </a:solidFill>
+              </a:rPr>
+              <a:t>2- </a:t>
+            </a:r>
+            <a:r>
+              <a:rPr lang="ar-DZ" sz="3200" b="1" u="sng" dirty="0" smtClean="0">
+                <a:solidFill>
+                  <a:srgbClr val="FF0000"/>
+                </a:solidFill>
+              </a:rPr>
+              <a:t>حفظ مشروع :</a:t>
+            </a:r>
+            <a:endParaRPr lang="fr-FR" sz="3200" b="1" u="sng" dirty="0" smtClean="0">
+              <a:solidFill>
+                <a:srgbClr val="FF0000"/>
+              </a:solidFill>
+            </a:endParaRPr>
+          </a:p>
+          <a:p>
+            <a:pPr algn="r" rtl="1">
+              <a:spcAft>
+                <a:spcPts val="800"/>
+              </a:spcAft>
+            </a:pPr>
+            <a:r>
+              <a:rPr lang="ar-DZ" sz="3200" dirty="0"/>
+              <a:t>القائمة </a:t>
+            </a:r>
+            <a:r>
+              <a:rPr lang="ar-DZ" sz="3200" dirty="0" smtClean="0"/>
+              <a:t>ملف            التعليمة </a:t>
+            </a:r>
+            <a:r>
+              <a:rPr lang="ar-DZ" sz="3200" dirty="0"/>
+              <a:t>الحفظ إلى </a:t>
+            </a:r>
+            <a:r>
+              <a:rPr lang="ar-DZ" sz="3200" dirty="0" smtClean="0"/>
+              <a:t>حاسوبك            نحدد </a:t>
+            </a:r>
+            <a:r>
+              <a:rPr lang="ar-DZ" sz="3200" dirty="0"/>
+              <a:t>مكان الحفظ و نسمي </a:t>
+            </a:r>
+            <a:r>
+              <a:rPr lang="ar-DZ" sz="3200" dirty="0" smtClean="0"/>
+              <a:t>المشروع             الزر </a:t>
+            </a:r>
+            <a:r>
+              <a:rPr lang="fr-FR" sz="3200" dirty="0" smtClean="0"/>
+              <a:t>Enregistrer</a:t>
+            </a:r>
+            <a:endParaRPr lang="ar-DZ" sz="3200" dirty="0" smtClean="0"/>
+          </a:p>
+          <a:p>
+            <a:pPr algn="r" rtl="1">
+              <a:spcAft>
+                <a:spcPts val="800"/>
+              </a:spcAft>
+            </a:pPr>
+            <a:endParaRPr lang="ar-DZ" sz="3200" b="1" u="sng" dirty="0">
+              <a:solidFill>
+                <a:srgbClr val="FF0000"/>
+              </a:solidFill>
+            </a:endParaRPr>
+          </a:p>
+          <a:p>
+            <a:pPr algn="r" rtl="1">
+              <a:spcAft>
+                <a:spcPts val="800"/>
+              </a:spcAft>
+            </a:pPr>
+            <a:r>
+              <a:rPr lang="ar-DZ" sz="3200" b="1" u="sng" dirty="0" smtClean="0">
+                <a:solidFill>
+                  <a:srgbClr val="FF0000"/>
+                </a:solidFill>
+              </a:rPr>
+              <a:t>3- فتح مشروع :</a:t>
+            </a:r>
+          </a:p>
+          <a:p>
+            <a:pPr algn="r" rtl="1">
+              <a:spcAft>
+                <a:spcPts val="800"/>
+              </a:spcAft>
+            </a:pPr>
+            <a:r>
+              <a:rPr lang="ar-DZ" sz="3200" dirty="0"/>
+              <a:t>القائمة ملف </a:t>
+            </a:r>
+            <a:r>
+              <a:rPr lang="ar-DZ" sz="3200" dirty="0" smtClean="0"/>
+              <a:t>         التعلمية </a:t>
+            </a:r>
+            <a:r>
+              <a:rPr lang="ar-DZ" sz="3200" dirty="0"/>
+              <a:t>التحميل من </a:t>
+            </a:r>
+            <a:r>
+              <a:rPr lang="ar-DZ" sz="3200" dirty="0" smtClean="0"/>
+              <a:t>حاسوبك            </a:t>
+            </a:r>
+            <a:r>
+              <a:rPr lang="ar-DZ" sz="3200" dirty="0"/>
+              <a:t>نبحث عن مكان الحفظ و اسم المشروع </a:t>
+            </a:r>
+            <a:r>
+              <a:rPr lang="ar-DZ" sz="3200" dirty="0" smtClean="0"/>
+              <a:t>           الزر </a:t>
+            </a:r>
+            <a:r>
+              <a:rPr lang="fr-FR" sz="3200" dirty="0"/>
+              <a:t>Ouvrir </a:t>
+            </a:r>
+          </a:p>
+          <a:p>
+            <a:pPr algn="r" rtl="1">
+              <a:spcAft>
+                <a:spcPts val="800"/>
+              </a:spcAft>
+            </a:pPr>
+            <a:endParaRPr lang="ar-DZ" sz="3200" b="1" u="sng" dirty="0" smtClean="0">
+              <a:solidFill>
+                <a:srgbClr val="FF0000"/>
+              </a:solidFill>
+            </a:endParaRPr>
+          </a:p>
+        </p:txBody>
+      </p:sp>
+      <p:cxnSp>
+        <p:nvCxnSpPr>
+          <p:cNvPr id="5" name="Connecteur droit avec flèche 4"/>
+          <p:cNvCxnSpPr/>
+          <p:nvPr/>
+        </p:nvCxnSpPr>
+        <p:spPr>
+          <a:xfrm flipH="1">
+            <a:off x="9263270" y="1179443"/>
+            <a:ext cx="622852" cy="0"/>
+          </a:xfrm>
+          <a:prstGeom prst="straightConnector1">
+            <a:avLst/>
+          </a:prstGeom>
+          <a:ln w="57150">
+            <a:tailEnd type="triangle"/>
+          </a:ln>
+        </p:spPr>
+        <p:style>
+          <a:lnRef idx="3">
+            <a:schemeClr val="dk1"/>
+          </a:lnRef>
+          <a:fillRef idx="0">
+            <a:schemeClr val="dk1"/>
+          </a:fillRef>
+          <a:effectRef idx="2">
+            <a:schemeClr val="dk1"/>
+          </a:effectRef>
+          <a:fontRef idx="minor">
+            <a:schemeClr val="tx1"/>
+          </a:fontRef>
+        </p:style>
+      </p:cxnSp>
+      <p:cxnSp>
+        <p:nvCxnSpPr>
+          <p:cNvPr id="9" name="Connecteur droit avec flèche 8"/>
+          <p:cNvCxnSpPr/>
+          <p:nvPr/>
+        </p:nvCxnSpPr>
+        <p:spPr>
+          <a:xfrm flipH="1">
+            <a:off x="9263270" y="2961856"/>
+            <a:ext cx="622852" cy="0"/>
+          </a:xfrm>
+          <a:prstGeom prst="straightConnector1">
+            <a:avLst/>
+          </a:prstGeom>
+          <a:ln w="57150">
+            <a:tailEnd type="triangle"/>
+          </a:ln>
+        </p:spPr>
+        <p:style>
+          <a:lnRef idx="3">
+            <a:schemeClr val="dk1"/>
+          </a:lnRef>
+          <a:fillRef idx="0">
+            <a:schemeClr val="dk1"/>
+          </a:fillRef>
+          <a:effectRef idx="2">
+            <a:schemeClr val="dk1"/>
+          </a:effectRef>
+          <a:fontRef idx="minor">
+            <a:schemeClr val="tx1"/>
+          </a:fontRef>
+        </p:style>
+      </p:cxnSp>
+      <p:cxnSp>
+        <p:nvCxnSpPr>
+          <p:cNvPr id="10" name="Connecteur droit avec flèche 9"/>
+          <p:cNvCxnSpPr/>
+          <p:nvPr/>
+        </p:nvCxnSpPr>
+        <p:spPr>
+          <a:xfrm flipH="1">
+            <a:off x="4539008" y="2961856"/>
+            <a:ext cx="622852" cy="0"/>
+          </a:xfrm>
+          <a:prstGeom prst="straightConnector1">
+            <a:avLst/>
+          </a:prstGeom>
+          <a:ln w="57150">
+            <a:tailEnd type="triangle"/>
+          </a:ln>
+        </p:spPr>
+        <p:style>
+          <a:lnRef idx="3">
+            <a:schemeClr val="dk1"/>
+          </a:lnRef>
+          <a:fillRef idx="0">
+            <a:schemeClr val="dk1"/>
+          </a:fillRef>
+          <a:effectRef idx="2">
+            <a:schemeClr val="dk1"/>
+          </a:effectRef>
+          <a:fontRef idx="minor">
+            <a:schemeClr val="tx1"/>
+          </a:fontRef>
+        </p:style>
+      </p:cxnSp>
+      <p:cxnSp>
+        <p:nvCxnSpPr>
+          <p:cNvPr id="11" name="Connecteur droit avec flèche 10"/>
+          <p:cNvCxnSpPr/>
+          <p:nvPr/>
+        </p:nvCxnSpPr>
+        <p:spPr>
+          <a:xfrm flipH="1">
+            <a:off x="9574696" y="3412436"/>
+            <a:ext cx="622852" cy="0"/>
+          </a:xfrm>
+          <a:prstGeom prst="straightConnector1">
+            <a:avLst/>
+          </a:prstGeom>
+          <a:ln w="57150">
+            <a:tailEnd type="triangle"/>
+          </a:ln>
+        </p:spPr>
+        <p:style>
+          <a:lnRef idx="3">
+            <a:schemeClr val="dk1"/>
+          </a:lnRef>
+          <a:fillRef idx="0">
+            <a:schemeClr val="dk1"/>
+          </a:fillRef>
+          <a:effectRef idx="2">
+            <a:schemeClr val="dk1"/>
+          </a:effectRef>
+          <a:fontRef idx="minor">
+            <a:schemeClr val="tx1"/>
+          </a:fontRef>
+        </p:style>
+      </p:cxnSp>
+      <p:cxnSp>
+        <p:nvCxnSpPr>
+          <p:cNvPr id="12" name="Connecteur droit avec flèche 11"/>
+          <p:cNvCxnSpPr/>
+          <p:nvPr/>
+        </p:nvCxnSpPr>
+        <p:spPr>
+          <a:xfrm flipH="1">
+            <a:off x="9402418" y="5221355"/>
+            <a:ext cx="622852" cy="0"/>
+          </a:xfrm>
+          <a:prstGeom prst="straightConnector1">
+            <a:avLst/>
+          </a:prstGeom>
+          <a:ln w="57150">
+            <a:tailEnd type="triangle"/>
+          </a:ln>
+        </p:spPr>
+        <p:style>
+          <a:lnRef idx="3">
+            <a:schemeClr val="dk1"/>
+          </a:lnRef>
+          <a:fillRef idx="0">
+            <a:schemeClr val="dk1"/>
+          </a:fillRef>
+          <a:effectRef idx="2">
+            <a:schemeClr val="dk1"/>
+          </a:effectRef>
+          <a:fontRef idx="minor">
+            <a:schemeClr val="tx1"/>
+          </a:fontRef>
+        </p:style>
+      </p:cxnSp>
+      <p:cxnSp>
+        <p:nvCxnSpPr>
+          <p:cNvPr id="13" name="Connecteur droit avec flèche 12"/>
+          <p:cNvCxnSpPr/>
+          <p:nvPr/>
+        </p:nvCxnSpPr>
+        <p:spPr>
+          <a:xfrm flipH="1">
+            <a:off x="4539008" y="5221355"/>
+            <a:ext cx="622852" cy="0"/>
+          </a:xfrm>
+          <a:prstGeom prst="straightConnector1">
+            <a:avLst/>
+          </a:prstGeom>
+          <a:ln w="57150">
+            <a:tailEnd type="triangle"/>
+          </a:ln>
+        </p:spPr>
+        <p:style>
+          <a:lnRef idx="3">
+            <a:schemeClr val="dk1"/>
+          </a:lnRef>
+          <a:fillRef idx="0">
+            <a:schemeClr val="dk1"/>
+          </a:fillRef>
+          <a:effectRef idx="2">
+            <a:schemeClr val="dk1"/>
+          </a:effectRef>
+          <a:fontRef idx="minor">
+            <a:schemeClr val="tx1"/>
+          </a:fontRef>
+        </p:style>
+      </p:cxnSp>
+      <p:cxnSp>
+        <p:nvCxnSpPr>
+          <p:cNvPr id="14" name="Connecteur droit avec flèche 13"/>
+          <p:cNvCxnSpPr/>
+          <p:nvPr/>
+        </p:nvCxnSpPr>
+        <p:spPr>
+          <a:xfrm flipH="1">
+            <a:off x="9713844" y="5671930"/>
+            <a:ext cx="622852" cy="0"/>
+          </a:xfrm>
+          <a:prstGeom prst="straightConnector1">
+            <a:avLst/>
+          </a:prstGeom>
+          <a:ln w="57150">
+            <a:tailEnd type="triangle"/>
+          </a:ln>
+        </p:spPr>
+        <p:style>
+          <a:lnRef idx="3">
+            <a:schemeClr val="dk1"/>
+          </a:lnRef>
+          <a:fillRef idx="0">
+            <a:schemeClr val="dk1"/>
+          </a:fillRef>
+          <a:effectRef idx="2">
+            <a:schemeClr val="dk1"/>
+          </a:effectRef>
+          <a:fontRef idx="minor">
+            <a:schemeClr val="tx1"/>
+          </a:fontRef>
+        </p:style>
+      </p:cxnSp>
     </p:spTree>
     <p:extLst>
       <p:ext uri="{BB962C8B-B14F-4D97-AF65-F5344CB8AC3E}">
-        <p14:creationId xmlns:p14="http://schemas.microsoft.com/office/powerpoint/2010/main" val="845848707"/>
+        <p14:creationId xmlns:p14="http://schemas.microsoft.com/office/powerpoint/2010/main" val="3701620258"/>
+      </p:ext>
+    </p:extLst>
+  </p:cSld>
+  <p:clrMapOvr>
+    <a:masterClrMapping/>
+  </p:clrMapOvr>
+  <p:timing>
+    <p:tnLst>
+      <p:par>
+        <p:cTn id="1" dur="indefinite" restart="never" nodeType="tmRoot"/>
+      </p:par>
+    </p:tnLst>
+  </p:timing>
+</p:sld>
+</file>
+
+<file path=ppt/slides/slide6.xml><?xml version="1.0" encoding="utf-8"?>
+<p:sld xmlns:a="http://schemas.openxmlformats.org/drawingml/2006/main" xmlns:r="http://schemas.openxmlformats.org/officeDocument/2006/relationships" xmlns:p="http://schemas.openxmlformats.org/presentationml/2006/main">
+  <p:cSld>
+    <p:bg>
+      <p:bgPr>
+        <a:gradFill flip="none" rotWithShape="1">
+          <a:gsLst>
+            <a:gs pos="0">
+              <a:schemeClr val="bg1"/>
+            </a:gs>
+            <a:gs pos="100000">
+              <a:schemeClr val="accent1">
+                <a:lumMod val="20000"/>
+                <a:lumOff val="80000"/>
+              </a:schemeClr>
+            </a:gs>
+          </a:gsLst>
+          <a:lin ang="5400000" scaled="1"/>
+          <a:tileRect/>
+        </a:gradFill>
+        <a:effectLst/>
+      </p:bgPr>
+    </p:bg>
+    <p:spTree>
+      <p:nvGrpSpPr>
+        <p:cNvPr id="1" name=""/>
+        <p:cNvGrpSpPr/>
+        <p:nvPr/>
+      </p:nvGrpSpPr>
+      <p:grpSpPr>
+        <a:xfrm>
+          <a:off x="0" y="0"/>
+          <a:ext cx="0" cy="0"/>
+          <a:chOff x="0" y="0"/>
+          <a:chExt cx="0" cy="0"/>
+        </a:xfrm>
+      </p:grpSpPr>
+      <p:sp>
+        <p:nvSpPr>
+          <p:cNvPr id="3" name="Rectangle 2"/>
+          <p:cNvSpPr/>
+          <p:nvPr/>
+        </p:nvSpPr>
+        <p:spPr>
+          <a:xfrm>
+            <a:off x="86536" y="255756"/>
+            <a:ext cx="11780804" cy="4988032"/>
+          </a:xfrm>
+          <a:prstGeom prst="rect">
+            <a:avLst/>
+          </a:prstGeom>
+        </p:spPr>
+        <p:txBody>
+          <a:bodyPr wrap="square">
+            <a:spAutoFit/>
+          </a:bodyPr>
+          <a:lstStyle/>
+          <a:p>
+            <a:pPr algn="r" rtl="1">
+              <a:spcAft>
+                <a:spcPts val="800"/>
+              </a:spcAft>
+            </a:pPr>
+            <a:r>
+              <a:rPr lang="ar-DZ" sz="3200" b="1" u="sng" dirty="0" smtClean="0">
+                <a:solidFill>
+                  <a:srgbClr val="FF0000"/>
+                </a:solidFill>
+              </a:rPr>
+              <a:t>ملاحظات :</a:t>
+            </a:r>
+          </a:p>
+          <a:p>
+            <a:pPr marL="342900" lvl="0" indent="-342900" algn="r" rtl="1">
+              <a:lnSpc>
+                <a:spcPct val="115000"/>
+              </a:lnSpc>
+              <a:spcAft>
+                <a:spcPts val="800"/>
+              </a:spcAft>
+              <a:buFont typeface="Symbol" panose="05050102010706020507" pitchFamily="18" charset="2"/>
+              <a:buChar char=""/>
+            </a:pPr>
+            <a:r>
+              <a:rPr lang="ar-DZ" sz="3200" dirty="0"/>
+              <a:t> </a:t>
+            </a:r>
+            <a:r>
+              <a:rPr lang="ar-SA" sz="3200" u="sng" dirty="0">
+                <a:solidFill>
+                  <a:srgbClr val="00B050"/>
+                </a:solidFill>
+              </a:rPr>
+              <a:t>المقطع البرمجي :</a:t>
+            </a:r>
+            <a:r>
+              <a:rPr lang="ar-SA" sz="3200" dirty="0">
+                <a:solidFill>
+                  <a:srgbClr val="00B050"/>
+                </a:solidFill>
+              </a:rPr>
+              <a:t> </a:t>
+            </a:r>
+            <a:r>
+              <a:rPr lang="ar-SA" sz="3200" dirty="0"/>
+              <a:t>مجموعة اللبنات المرتبطة فيما بينها، تسمح بالقيام بمهمة معينة.</a:t>
+            </a:r>
+            <a:endParaRPr lang="fr-FR" sz="2400" dirty="0"/>
+          </a:p>
+          <a:p>
+            <a:pPr marL="342900" lvl="0" indent="-342900" algn="r" rtl="1">
+              <a:lnSpc>
+                <a:spcPct val="115000"/>
+              </a:lnSpc>
+              <a:spcAft>
+                <a:spcPts val="800"/>
+              </a:spcAft>
+              <a:buFont typeface="Symbol" panose="05050102010706020507" pitchFamily="18" charset="2"/>
+              <a:buChar char=""/>
+            </a:pPr>
+            <a:r>
+              <a:rPr lang="ar-SA" sz="3200" dirty="0"/>
+              <a:t>عند فتح البرنامج تكون إحداثيات كائن القط هي </a:t>
+            </a:r>
+            <a:r>
+              <a:rPr lang="fr-FR" sz="3200" dirty="0"/>
+              <a:t>x=0</a:t>
+            </a:r>
+            <a:r>
+              <a:rPr lang="ar-DZ" sz="3200" dirty="0"/>
+              <a:t> و </a:t>
+            </a:r>
+            <a:r>
+              <a:rPr lang="fr-FR" sz="3200" dirty="0"/>
+              <a:t>y=0</a:t>
+            </a:r>
+            <a:r>
+              <a:rPr lang="ar-DZ" sz="3200" dirty="0"/>
+              <a:t> ، حيث تسمح هذه الإحداثيات بتحديد موضع الكائن في المنصة.</a:t>
+            </a:r>
+            <a:endParaRPr lang="fr-FR" sz="2400" dirty="0"/>
+          </a:p>
+          <a:p>
+            <a:pPr marL="342900" lvl="0" indent="-342900" algn="r" rtl="1">
+              <a:lnSpc>
+                <a:spcPct val="115000"/>
+              </a:lnSpc>
+              <a:spcAft>
+                <a:spcPts val="800"/>
+              </a:spcAft>
+              <a:buFont typeface="Symbol" panose="05050102010706020507" pitchFamily="18" charset="2"/>
+              <a:buChar char=""/>
+            </a:pPr>
+            <a:r>
+              <a:rPr lang="ar-DZ" sz="3200" dirty="0"/>
+              <a:t>يمكن تغيير </a:t>
+            </a:r>
+            <a:r>
+              <a:rPr lang="ar-DZ" sz="3200" dirty="0" err="1"/>
+              <a:t>الإسم</a:t>
+            </a:r>
+            <a:r>
+              <a:rPr lang="ar-DZ" sz="3200" dirty="0"/>
+              <a:t> ، تغيير الحجم ، و حذف الكائن في منطقة الكائنات.</a:t>
+            </a:r>
+            <a:endParaRPr lang="fr-FR" sz="2400" dirty="0"/>
+          </a:p>
+          <a:p>
+            <a:pPr marL="342900" lvl="0" indent="-342900" algn="r" rtl="1">
+              <a:lnSpc>
+                <a:spcPct val="115000"/>
+              </a:lnSpc>
+              <a:spcAft>
+                <a:spcPts val="800"/>
+              </a:spcAft>
+              <a:buFont typeface="Symbol" panose="05050102010706020507" pitchFamily="18" charset="2"/>
+              <a:buChar char=""/>
+            </a:pPr>
+            <a:r>
+              <a:rPr lang="ar-SA" sz="3200" dirty="0"/>
+              <a:t>يمكن إضافة كائن جديد ب 03 طرق و هي : اختيار كائن من ملفات </a:t>
+            </a:r>
+            <a:r>
+              <a:rPr lang="ar-SA" sz="3200" dirty="0" err="1"/>
+              <a:t>سكراتش</a:t>
+            </a:r>
+            <a:r>
+              <a:rPr lang="ar-SA" sz="3200" dirty="0"/>
+              <a:t>، رسم كائن أو اختيار كائن عشوائي.</a:t>
+            </a:r>
+            <a:endParaRPr lang="fr-FR" sz="2400" dirty="0">
+              <a:latin typeface="Calibri" panose="020F0502020204030204" pitchFamily="34" charset="0"/>
+              <a:ea typeface="Calibri" panose="020F0502020204030204" pitchFamily="34" charset="0"/>
+              <a:cs typeface="Arial" panose="020B0604020202020204" pitchFamily="34" charset="0"/>
+            </a:endParaRPr>
+          </a:p>
+          <a:p>
+            <a:pPr algn="r" rtl="1">
+              <a:spcAft>
+                <a:spcPts val="800"/>
+              </a:spcAft>
+            </a:pPr>
+            <a:endParaRPr lang="ar-DZ" sz="3200" b="1" u="sng" dirty="0" smtClean="0">
+              <a:solidFill>
+                <a:srgbClr val="FF0000"/>
+              </a:solidFill>
+            </a:endParaRPr>
+          </a:p>
+        </p:txBody>
+      </p:sp>
+    </p:spTree>
+    <p:extLst>
+      <p:ext uri="{BB962C8B-B14F-4D97-AF65-F5344CB8AC3E}">
+        <p14:creationId xmlns:p14="http://schemas.microsoft.com/office/powerpoint/2010/main" val="541612907"/>
+      </p:ext>
+    </p:extLst>
+  </p:cSld>
+  <p:clrMapOvr>
+    <a:masterClrMapping/>
+  </p:clrMapOvr>
+  <p:timing>
+    <p:tnLst>
+      <p:par>
+        <p:cTn id="1" dur="indefinite" restart="never" nodeType="tmRoot"/>
+      </p:par>
+    </p:tnLst>
+  </p:timing>
+</p:sld>
+</file>
+
+<file path=ppt/slides/slide7.xml><?xml version="1.0" encoding="utf-8"?>
+<p:sld xmlns:a="http://schemas.openxmlformats.org/drawingml/2006/main" xmlns:r="http://schemas.openxmlformats.org/officeDocument/2006/relationships" xmlns:p="http://schemas.openxmlformats.org/presentationml/2006/main">
+  <p:cSld>
+    <p:bg>
+      <p:bgPr>
+        <a:solidFill>
+          <a:schemeClr val="bg1"/>
+        </a:solidFill>
+        <a:effectLst/>
+      </p:bgPr>
+    </p:bg>
+    <p:spTree>
+      <p:nvGrpSpPr>
+        <p:cNvPr id="1" name=""/>
+        <p:cNvGrpSpPr/>
+        <p:nvPr/>
+      </p:nvGrpSpPr>
+      <p:grpSpPr>
+        <a:xfrm>
+          <a:off x="0" y="0"/>
+          <a:ext cx="0" cy="0"/>
+          <a:chOff x="0" y="0"/>
+          <a:chExt cx="0" cy="0"/>
+        </a:xfrm>
+      </p:grpSpPr>
+      <p:sp>
+        <p:nvSpPr>
+          <p:cNvPr id="4" name="Rectangle 3"/>
+          <p:cNvSpPr/>
+          <p:nvPr/>
+        </p:nvSpPr>
+        <p:spPr>
+          <a:xfrm>
+            <a:off x="92765" y="104310"/>
+            <a:ext cx="11859904" cy="769441"/>
+          </a:xfrm>
+          <a:prstGeom prst="rect">
+            <a:avLst/>
+          </a:prstGeom>
+        </p:spPr>
+        <p:txBody>
+          <a:bodyPr wrap="square">
+            <a:spAutoFit/>
+          </a:bodyPr>
+          <a:lstStyle/>
+          <a:p>
+            <a:pPr algn="r" rtl="1">
+              <a:spcAft>
+                <a:spcPts val="1000"/>
+              </a:spcAft>
+            </a:pPr>
+            <a:r>
+              <a:rPr lang="ar-DZ" sz="4400" b="1" u="sng" dirty="0" smtClean="0">
+                <a:solidFill>
+                  <a:srgbClr val="FF0000"/>
+                </a:solidFill>
+                <a:latin typeface="Calibri" panose="020F0502020204030204" pitchFamily="34" charset="0"/>
+                <a:ea typeface="Times New Roman" panose="02020603050405020304" pitchFamily="18" charset="0"/>
+                <a:cs typeface="Times New Roman" panose="02020603050405020304" pitchFamily="18" charset="0"/>
+              </a:rPr>
+              <a:t>تدريب :</a:t>
+            </a:r>
+          </a:p>
+        </p:txBody>
+      </p:sp>
+      <p:pic>
+        <p:nvPicPr>
+          <p:cNvPr id="5121" name="Image 27"/>
+          <p:cNvPicPr>
+            <a:picLocks noChangeAspect="1" noChangeArrowheads="1"/>
+          </p:cNvPicPr>
+          <p:nvPr/>
+        </p:nvPicPr>
+        <p:blipFill>
+          <a:blip r:embed="rId2">
+            <a:extLst>
+              <a:ext uri="{28A0092B-C50C-407E-A947-70E740481C1C}">
+                <a14:useLocalDpi xmlns:a14="http://schemas.microsoft.com/office/drawing/2010/main" val="0"/>
+              </a:ext>
+            </a:extLst>
+          </a:blip>
+          <a:srcRect/>
+          <a:stretch>
+            <a:fillRect/>
+          </a:stretch>
+        </p:blipFill>
+        <p:spPr bwMode="auto">
+          <a:xfrm>
+            <a:off x="319780" y="190899"/>
+            <a:ext cx="4358238" cy="6410883"/>
+          </a:xfrm>
+          <a:prstGeom prst="rect">
+            <a:avLst/>
+          </a:prstGeom>
+          <a:noFill/>
+          <a:extLst>
+            <a:ext uri="{909E8E84-426E-40DD-AFC4-6F175D3DCCD1}">
+              <a14:hiddenFill xmlns:a14="http://schemas.microsoft.com/office/drawing/2010/main">
+                <a:solidFill>
+                  <a:srgbClr val="FFFFFF"/>
+                </a:solidFill>
+              </a14:hiddenFill>
+            </a:ext>
+          </a:extLst>
+        </p:spPr>
+      </p:pic>
+      <p:sp>
+        <p:nvSpPr>
+          <p:cNvPr id="5" name="Rectangle 4"/>
+          <p:cNvSpPr/>
+          <p:nvPr/>
+        </p:nvSpPr>
+        <p:spPr>
+          <a:xfrm>
+            <a:off x="5271032" y="1432356"/>
+            <a:ext cx="6681637" cy="1842812"/>
+          </a:xfrm>
+          <a:prstGeom prst="rect">
+            <a:avLst/>
+          </a:prstGeom>
+        </p:spPr>
+        <p:txBody>
+          <a:bodyPr wrap="none">
+            <a:spAutoFit/>
+          </a:bodyPr>
+          <a:lstStyle/>
+          <a:p>
+            <a:pPr marL="457200" lvl="0" indent="-457200" algn="r" rtl="1">
+              <a:lnSpc>
+                <a:spcPct val="107000"/>
+              </a:lnSpc>
+              <a:spcAft>
+                <a:spcPts val="800"/>
+              </a:spcAft>
+              <a:buFont typeface="Wingdings" panose="05000000000000000000" pitchFamily="2" charset="2"/>
+              <a:buChar char="Ø"/>
+            </a:pPr>
+            <a:r>
+              <a:rPr lang="ar-DZ" sz="3200" dirty="0">
+                <a:cs typeface="+mj-cs"/>
+              </a:rPr>
+              <a:t>لنحاول إنشاء هذا المقطع البرمجي لكائن </a:t>
+            </a:r>
+            <a:r>
+              <a:rPr lang="ar-DZ" sz="3200" dirty="0" smtClean="0">
+                <a:cs typeface="+mj-cs"/>
+              </a:rPr>
+              <a:t>البالون</a:t>
+            </a:r>
+            <a:endParaRPr lang="ar-DZ" sz="3200" dirty="0" smtClean="0">
+              <a:latin typeface="Calibri" panose="020F0502020204030204" pitchFamily="34" charset="0"/>
+              <a:ea typeface="Calibri" panose="020F0502020204030204" pitchFamily="34" charset="0"/>
+              <a:cs typeface="+mj-cs"/>
+            </a:endParaRPr>
+          </a:p>
+          <a:p>
+            <a:pPr marL="457200" lvl="0" indent="-457200" algn="r" rtl="1">
+              <a:lnSpc>
+                <a:spcPct val="107000"/>
+              </a:lnSpc>
+              <a:spcAft>
+                <a:spcPts val="800"/>
+              </a:spcAft>
+              <a:buFont typeface="Wingdings" panose="05000000000000000000" pitchFamily="2" charset="2"/>
+              <a:buChar char="Ø"/>
+            </a:pPr>
+            <a:endParaRPr lang="ar-DZ" sz="3200" dirty="0">
+              <a:latin typeface="Calibri" panose="020F0502020204030204" pitchFamily="34" charset="0"/>
+              <a:ea typeface="Calibri" panose="020F0502020204030204" pitchFamily="34" charset="0"/>
+              <a:cs typeface="+mj-cs"/>
+            </a:endParaRPr>
+          </a:p>
+          <a:p>
+            <a:pPr marL="457200" lvl="0" indent="-457200" algn="r" rtl="1">
+              <a:lnSpc>
+                <a:spcPct val="107000"/>
+              </a:lnSpc>
+              <a:spcAft>
+                <a:spcPts val="800"/>
+              </a:spcAft>
+              <a:buFont typeface="Wingdings" panose="05000000000000000000" pitchFamily="2" charset="2"/>
+              <a:buChar char="Ø"/>
+            </a:pPr>
+            <a:r>
+              <a:rPr lang="ar-DZ" sz="3200" dirty="0" smtClean="0">
+                <a:latin typeface="Calibri" panose="020F0502020204030204" pitchFamily="34" charset="0"/>
+                <a:ea typeface="Calibri" panose="020F0502020204030204" pitchFamily="34" charset="0"/>
+                <a:cs typeface="+mj-cs"/>
+              </a:rPr>
+              <a:t>برأيك ما دور الزرين </a:t>
+            </a:r>
+          </a:p>
+        </p:txBody>
+      </p:sp>
+      <p:pic>
+        <p:nvPicPr>
+          <p:cNvPr id="7" name="Image 6"/>
+          <p:cNvPicPr/>
+          <p:nvPr/>
+        </p:nvPicPr>
+        <p:blipFill>
+          <a:blip r:embed="rId3">
+            <a:extLst>
+              <a:ext uri="{28A0092B-C50C-407E-A947-70E740481C1C}">
+                <a14:useLocalDpi xmlns:a14="http://schemas.microsoft.com/office/drawing/2010/main" val="0"/>
+              </a:ext>
+            </a:extLst>
+          </a:blip>
+          <a:stretch>
+            <a:fillRect/>
+          </a:stretch>
+        </p:blipFill>
+        <p:spPr>
+          <a:xfrm>
+            <a:off x="7164060" y="2622538"/>
+            <a:ext cx="1151283" cy="773802"/>
+          </a:xfrm>
+          <a:prstGeom prst="rect">
+            <a:avLst/>
+          </a:prstGeom>
+        </p:spPr>
+      </p:pic>
+      <p:sp>
+        <p:nvSpPr>
+          <p:cNvPr id="6" name="ZoneTexte 5"/>
+          <p:cNvSpPr txBox="1"/>
+          <p:nvPr/>
+        </p:nvSpPr>
+        <p:spPr>
+          <a:xfrm>
+            <a:off x="6838122" y="4465350"/>
+            <a:ext cx="4261834" cy="1569660"/>
+          </a:xfrm>
+          <a:prstGeom prst="rect">
+            <a:avLst/>
+          </a:prstGeom>
+          <a:noFill/>
+        </p:spPr>
+        <p:txBody>
+          <a:bodyPr wrap="square" rtlCol="0">
+            <a:spAutoFit/>
+          </a:bodyPr>
+          <a:lstStyle/>
+          <a:p>
+            <a:pPr algn="r" rtl="1"/>
+            <a:r>
+              <a:rPr lang="ar-DZ" sz="3200" dirty="0" smtClean="0">
+                <a:cs typeface="+mj-cs"/>
+              </a:rPr>
+              <a:t>يبدأ تشغيل المقطع البرمجي</a:t>
+            </a:r>
+            <a:endParaRPr lang="fr-FR" sz="3200" dirty="0" smtClean="0">
+              <a:cs typeface="+mj-cs"/>
+            </a:endParaRPr>
+          </a:p>
+          <a:p>
+            <a:pPr algn="r" rtl="1"/>
+            <a:endParaRPr lang="ar-DZ" sz="3200" dirty="0" smtClean="0">
+              <a:cs typeface="+mj-cs"/>
+            </a:endParaRPr>
+          </a:p>
+          <a:p>
+            <a:pPr algn="r" rtl="1"/>
+            <a:r>
+              <a:rPr lang="ar-DZ" sz="3200" dirty="0" smtClean="0">
+                <a:cs typeface="+mj-cs"/>
+              </a:rPr>
+              <a:t>يوقف تشغيل المقطع البرمجي</a:t>
+            </a:r>
+            <a:endParaRPr lang="fr-FR" sz="3200" dirty="0">
+              <a:cs typeface="+mj-cs"/>
+            </a:endParaRPr>
+          </a:p>
+        </p:txBody>
+      </p:sp>
+      <p:pic>
+        <p:nvPicPr>
+          <p:cNvPr id="8" name="Image 7"/>
+          <p:cNvPicPr>
+            <a:picLocks noChangeAspect="1"/>
+          </p:cNvPicPr>
+          <p:nvPr/>
+        </p:nvPicPr>
+        <p:blipFill>
+          <a:blip r:embed="rId4" cstate="print">
+            <a:extLst>
+              <a:ext uri="{28A0092B-C50C-407E-A947-70E740481C1C}">
+                <a14:useLocalDpi xmlns:a14="http://schemas.microsoft.com/office/drawing/2010/main" val="0"/>
+              </a:ext>
+            </a:extLst>
+          </a:blip>
+          <a:stretch>
+            <a:fillRect/>
+          </a:stretch>
+        </p:blipFill>
+        <p:spPr>
+          <a:xfrm>
+            <a:off x="11296763" y="4389732"/>
+            <a:ext cx="657611" cy="742122"/>
+          </a:xfrm>
+          <a:prstGeom prst="rect">
+            <a:avLst/>
+          </a:prstGeom>
+        </p:spPr>
+      </p:pic>
+      <p:pic>
+        <p:nvPicPr>
+          <p:cNvPr id="11" name="Image 10"/>
+          <p:cNvPicPr>
+            <a:picLocks noChangeAspect="1"/>
+          </p:cNvPicPr>
+          <p:nvPr/>
+        </p:nvPicPr>
+        <p:blipFill>
+          <a:blip r:embed="rId5" cstate="print">
+            <a:extLst>
+              <a:ext uri="{28A0092B-C50C-407E-A947-70E740481C1C}">
+                <a14:useLocalDpi xmlns:a14="http://schemas.microsoft.com/office/drawing/2010/main" val="0"/>
+              </a:ext>
+            </a:extLst>
+          </a:blip>
+          <a:stretch>
+            <a:fillRect/>
+          </a:stretch>
+        </p:blipFill>
+        <p:spPr>
+          <a:xfrm>
+            <a:off x="11296763" y="5379900"/>
+            <a:ext cx="657611" cy="655110"/>
+          </a:xfrm>
+          <a:prstGeom prst="rect">
+            <a:avLst/>
+          </a:prstGeom>
+        </p:spPr>
+      </p:pic>
+    </p:spTree>
+    <p:extLst>
+      <p:ext uri="{BB962C8B-B14F-4D97-AF65-F5344CB8AC3E}">
+        <p14:creationId xmlns:p14="http://schemas.microsoft.com/office/powerpoint/2010/main" val="1483634635"/>
       </p:ext>
     </p:extLst>
   </p:cSld>
@@ -3721,7 +5609,7 @@
                                           </p:stCondLst>
                                         </p:cTn>
                                         <p:tgtEl>
-                                          <p:spTgt spid="3"/>
+                                          <p:spTgt spid="6"/>
                                         </p:tgtEl>
                                         <p:attrNameLst>
                                           <p:attrName>style.visibility</p:attrName>
@@ -3735,7 +5623,7 @@
                                       <p:cBhvr>
                                         <p:cTn id="7" dur="1000"/>
                                         <p:tgtEl>
-                                          <p:spTgt spid="3"/>
+                                          <p:spTgt spid="6"/>
                                         </p:tgtEl>
                                       </p:cBhvr>
                                     </p:animEffect>
@@ -3743,7 +5631,7 @@
                                       <p:cBhvr>
                                         <p:cTn id="8" dur="1000" fill="hold"/>
                                         <p:tgtEl>
-                                          <p:spTgt spid="3"/>
+                                          <p:spTgt spid="6"/>
                                         </p:tgtEl>
                                         <p:attrNameLst>
                                           <p:attrName>ppt_x</p:attrName>
@@ -3766,7 +5654,169 @@
                                       <p:cBhvr>
                                         <p:cTn id="9" dur="1000" fill="hold"/>
                                         <p:tgtEl>
-                                          <p:spTgt spid="3"/>
+                                          <p:spTgt spid="6"/>
+                                        </p:tgtEl>
+                                        <p:attrNameLst>
+                                          <p:attrName>ppt_y</p:attrName>
+                                        </p:attrNameLst>
+                                      </p:cBhvr>
+                                      <p:tavLst>
+                                        <p:tav tm="0">
+                                          <p:val>
+                                            <p:strVal val="#ppt_y+.1"/>
+                                          </p:val>
+                                        </p:tav>
+                                        <p:tav tm="100000">
+                                          <p:val>
+                                            <p:strVal val="#ppt_y"/>
+                                          </p:val>
+                                        </p:tav>
+                                      </p:tavLst>
+                                    </p:anim>
+                                  </p:childTnLst>
+                                </p:cTn>
+                              </p:par>
+                              <p:par>
+                                <p:cTn id="10" presetID="42" presetClass="entr" presetSubtype="0" fill="hold" nodeType="withEffect">
+                                  <p:stCondLst>
+                                    <p:cond delay="0"/>
+                                  </p:stCondLst>
+                                  <p:childTnLst>
+                                    <p:set>
+                                      <p:cBhvr>
+                                        <p:cTn id="11" dur="1" fill="hold">
+                                          <p:stCondLst>
+                                            <p:cond delay="0"/>
+                                          </p:stCondLst>
+                                        </p:cTn>
+                                        <p:tgtEl>
+                                          <p:spTgt spid="8"/>
+                                        </p:tgtEl>
+                                        <p:attrNameLst>
+                                          <p:attrName>style.visibility</p:attrName>
+                                        </p:attrNameLst>
+                                      </p:cBhvr>
+                                      <p:to>
+                                        <p:strVal val="visible"/>
+                                      </p:to>
+                                    </p:set>
+                                    <p:animEffect transition="in" filter="fade">
+                                      <p:cBhvr>
+                                        <p:cTn id="12" dur="1000"/>
+                                        <p:tgtEl>
+                                          <p:spTgt spid="8"/>
+                                        </p:tgtEl>
+                                      </p:cBhvr>
+                                    </p:animEffect>
+                                    <p:anim calcmode="lin" valueType="num">
+                                      <p:cBhvr>
+                                        <p:cTn id="13" dur="1000" fill="hold"/>
+                                        <p:tgtEl>
+                                          <p:spTgt spid="8"/>
+                                        </p:tgtEl>
+                                        <p:attrNameLst>
+                                          <p:attrName>ppt_x</p:attrName>
+                                        </p:attrNameLst>
+                                      </p:cBhvr>
+                                      <p:tavLst>
+                                        <p:tav tm="0">
+                                          <p:val>
+                                            <p:strVal val="#ppt_x"/>
+                                          </p:val>
+                                        </p:tav>
+                                        <p:tav tm="100000">
+                                          <p:val>
+                                            <p:strVal val="#ppt_x"/>
+                                          </p:val>
+                                        </p:tav>
+                                      </p:tavLst>
+                                    </p:anim>
+                                    <p:anim calcmode="lin" valueType="num">
+                                      <p:cBhvr>
+                                        <p:cTn id="14" dur="1000" fill="hold"/>
+                                        <p:tgtEl>
+                                          <p:spTgt spid="8"/>
+                                        </p:tgtEl>
+                                        <p:attrNameLst>
+                                          <p:attrName>ppt_y</p:attrName>
+                                        </p:attrNameLst>
+                                      </p:cBhvr>
+                                      <p:tavLst>
+                                        <p:tav tm="0">
+                                          <p:val>
+                                            <p:strVal val="#ppt_y+.1"/>
+                                          </p:val>
+                                        </p:tav>
+                                        <p:tav tm="100000">
+                                          <p:val>
+                                            <p:strVal val="#ppt_y"/>
+                                          </p:val>
+                                        </p:tav>
+                                      </p:tavLst>
+                                    </p:anim>
+                                  </p:childTnLst>
+                                </p:cTn>
+                              </p:par>
+                              <p:par>
+                                <p:cTn id="15" presetID="42" presetClass="entr" presetSubtype="0" fill="hold" nodeType="withEffect">
+                                  <p:stCondLst>
+                                    <p:cond delay="0"/>
+                                  </p:stCondLst>
+                                  <p:childTnLst>
+                                    <p:set>
+                                      <p:cBhvr>
+                                        <p:cTn id="16" dur="1" fill="hold">
+                                          <p:stCondLst>
+                                            <p:cond delay="0"/>
+                                          </p:stCondLst>
+                                        </p:cTn>
+                                        <p:tgtEl>
+                                          <p:spTgt spid="11"/>
+                                        </p:tgtEl>
+                                        <p:attrNameLst>
+                                          <p:attrName>style.visibility</p:attrName>
+                                        </p:attrNameLst>
+                                      </p:cBhvr>
+                                      <p:to>
+                                        <p:strVal val="visible"/>
+                                      </p:to>
+                                    </p:set>
+                                    <p:animEffect transition="in" filter="fade">
+                                      <p:cBhvr>
+                                        <p:cTn id="17" dur="1000"/>
+                                        <p:tgtEl>
+                                          <p:spTgt spid="11"/>
+                                        </p:tgtEl>
+                                      </p:cBhvr>
+                                    </p:animEffect>
+                                    <p:anim calcmode="lin" valueType="num">
+                                      <p:cBhvr>
+                                        <p:cTn id="18" dur="1000" fill="hold"/>
+                                        <p:tgtEl>
+                                          <p:spTgt spid="11"/>
+                                        </p:tgtEl>
+                                        <p:attrNameLst>
+                                          <p:attrName>ppt_x</p:attrName>
+                                        </p:attrNameLst>
+                                      </p:cBhvr>
+                                      <p:tavLst>
+                                        <p:tav tm="0">
+                                          <p:val>
+                                            <p:strVal val="#ppt_x"/>
+                                          </p:val>
+                                        </p:tav>
+                                        <p:tav tm="100000">
+                                          <p:val>
+                                            <p:strVal val="#ppt_x"/>
+                                          </p:val>
+                                        </p:tav>
+                                      </p:tavLst>
+                                    </p:anim>
+                                    <p:anim calcmode="lin" valueType="num">
+                                      <p:cBhvr>
+                                        <p:cTn id="19" dur="1000" fill="hold"/>
+                                        <p:tgtEl>
+                                          <p:spTgt spid="11"/>
                                         </p:tgtEl>
                                         <p:attrNameLst>
                                           <p:attrName>ppt_y</p:attrName>
@@ -3816,1426 +5866,8 @@
       </p:par>
     </p:tnLst>
     <p:bldLst>
-      <p:bldP spid="3" grpId="0" animBg="1"/>
+      <p:bldP spid="6" grpId="0"/>
     </p:bldLst>
-  </p:timing>
-</p:sld>
-</file>
-
-<file path=ppt/slides/slide2.xml><?xml version="1.0" encoding="utf-8"?>
-<p:sld xmlns:a="http://schemas.openxmlformats.org/drawingml/2006/main" xmlns:r="http://schemas.openxmlformats.org/officeDocument/2006/relationships" xmlns:p="http://schemas.openxmlformats.org/presentationml/2006/main">
-  <p:cSld>
-    <p:bg>
-      <p:bgPr>
-        <a:solidFill>
-          <a:schemeClr val="bg1"/>
-        </a:solidFill>
-        <a:effectLst/>
-      </p:bgPr>
-    </p:bg>
-    <p:spTree>
-      <p:nvGrpSpPr>
-        <p:cNvPr id="1" name=""/>
-        <p:cNvGrpSpPr/>
-        <p:nvPr/>
-      </p:nvGrpSpPr>
-      <p:grpSpPr>
-        <a:xfrm>
-          <a:off x="0" y="0"/>
-          <a:ext cx="0" cy="0"/>
-          <a:chOff x="0" y="0"/>
-          <a:chExt cx="0" cy="0"/>
-        </a:xfrm>
-      </p:grpSpPr>
-      <p:sp>
-        <p:nvSpPr>
-          <p:cNvPr id="4" name="Rectangle 3"/>
-          <p:cNvSpPr/>
-          <p:nvPr/>
-        </p:nvSpPr>
-        <p:spPr>
-          <a:xfrm>
-            <a:off x="0" y="145774"/>
-            <a:ext cx="12191999" cy="729430"/>
-          </a:xfrm>
-          <a:prstGeom prst="rect">
-            <a:avLst/>
-          </a:prstGeom>
-        </p:spPr>
-        <p:txBody>
-          <a:bodyPr wrap="square">
-            <a:spAutoFit/>
-          </a:bodyPr>
-          <a:lstStyle/>
-          <a:p>
-            <a:pPr algn="ctr" rtl="1">
-              <a:lnSpc>
-                <a:spcPct val="115000"/>
-              </a:lnSpc>
-              <a:spcAft>
-                <a:spcPts val="1000"/>
-              </a:spcAft>
-            </a:pPr>
-            <a:r>
-              <a:rPr lang="ar-DZ" sz="3600" b="1" u="sng" dirty="0">
-                <a:solidFill>
-                  <a:srgbClr val="FF0000"/>
-                </a:solidFill>
-                <a:latin typeface="Calibri" panose="020F0502020204030204" pitchFamily="34" charset="0"/>
-                <a:ea typeface="Times New Roman" panose="02020603050405020304" pitchFamily="18" charset="0"/>
-                <a:cs typeface="Times New Roman" panose="02020603050405020304" pitchFamily="18" charset="0"/>
-              </a:rPr>
-              <a:t>الوضعية </a:t>
-            </a:r>
-            <a:r>
-              <a:rPr lang="ar-DZ" sz="3600" b="1" u="sng" dirty="0" err="1">
-                <a:solidFill>
-                  <a:srgbClr val="FF0000"/>
-                </a:solidFill>
-                <a:latin typeface="Calibri" panose="020F0502020204030204" pitchFamily="34" charset="0"/>
-                <a:ea typeface="Times New Roman" panose="02020603050405020304" pitchFamily="18" charset="0"/>
-                <a:cs typeface="Times New Roman" panose="02020603050405020304" pitchFamily="18" charset="0"/>
-              </a:rPr>
-              <a:t>الإنطلاقية</a:t>
-            </a:r>
-            <a:r>
-              <a:rPr lang="ar-DZ" sz="3600" b="1" u="sng" dirty="0">
-                <a:solidFill>
-                  <a:srgbClr val="FF0000"/>
-                </a:solidFill>
-                <a:latin typeface="Calibri" panose="020F0502020204030204" pitchFamily="34" charset="0"/>
-                <a:ea typeface="Times New Roman" panose="02020603050405020304" pitchFamily="18" charset="0"/>
-                <a:cs typeface="Times New Roman" panose="02020603050405020304" pitchFamily="18" charset="0"/>
-              </a:rPr>
-              <a:t> :</a:t>
-            </a:r>
-            <a:endParaRPr lang="fr-FR" sz="3600" b="1" dirty="0">
-              <a:effectLst/>
-              <a:latin typeface="Calibri" panose="020F0502020204030204" pitchFamily="34" charset="0"/>
-              <a:ea typeface="Times New Roman" panose="02020603050405020304" pitchFamily="18" charset="0"/>
-              <a:cs typeface="Arial" panose="020B0604020202020204" pitchFamily="34" charset="0"/>
-            </a:endParaRPr>
-          </a:p>
-        </p:txBody>
-      </p:sp>
-      <mc:AlternateContent xmlns:mc="http://schemas.openxmlformats.org/markup-compatibility/2006">
-        <mc:Choice xmlns:a14="http://schemas.microsoft.com/office/drawing/2010/main" Requires="a14">
-          <p:sp>
-            <p:nvSpPr>
-              <p:cNvPr id="3" name="Rectangle 2"/>
-              <p:cNvSpPr/>
-              <p:nvPr/>
-            </p:nvSpPr>
-            <p:spPr>
-              <a:xfrm>
-                <a:off x="463827" y="1230337"/>
-                <a:ext cx="11565784" cy="3886385"/>
-              </a:xfrm>
-              <a:prstGeom prst="rect">
-                <a:avLst/>
-              </a:prstGeom>
-            </p:spPr>
-            <p:txBody>
-              <a:bodyPr wrap="square">
-                <a:spAutoFit/>
-              </a:bodyPr>
-              <a:lstStyle/>
-              <a:p>
-                <a:pPr marL="457200" indent="-457200" algn="r" rtl="1">
-                  <a:buFont typeface="Wingdings" panose="05000000000000000000" pitchFamily="2" charset="2"/>
-                  <a:buChar char="Ø"/>
-                </a:pPr>
-                <a:r>
-                  <a:rPr lang="ar-DZ" sz="3200" dirty="0"/>
-                  <a:t>برأيك ، ماذا تمثل </a:t>
-                </a:r>
-                <a:r>
-                  <a:rPr lang="ar-DZ" sz="3600" dirty="0"/>
-                  <a:t>العناصر</a:t>
-                </a:r>
-                <a:r>
-                  <a:rPr lang="ar-DZ" sz="3200" dirty="0"/>
-                  <a:t> التالية </a:t>
-                </a:r>
-                <a:r>
-                  <a:rPr lang="ar-DZ" sz="3200" dirty="0" smtClean="0"/>
-                  <a:t>:</a:t>
-                </a:r>
-                <a:endParaRPr lang="fr-FR" sz="3200" dirty="0" smtClean="0"/>
-              </a:p>
-              <a:p>
-                <a:pPr algn="r" rtl="1"/>
-                <a:endParaRPr lang="fr-FR" sz="3200" dirty="0"/>
-              </a:p>
-              <a:p>
-                <a:pPr algn="r" rtl="1"/>
-                <a:r>
-                  <a:rPr lang="ar-DZ" sz="3200" b="1" dirty="0"/>
-                  <a:t>≠      &gt;     =         #        $     +      €    </a:t>
-                </a:r>
-                <a:endParaRPr lang="fr-FR" sz="3200" b="1" dirty="0" smtClean="0"/>
-              </a:p>
-              <a:p>
-                <a:pPr algn="r" rtl="1"/>
-                <a:endParaRPr lang="fr-FR" sz="3200" b="1" dirty="0" smtClean="0"/>
-              </a:p>
-              <a:p>
-                <a:pPr marL="571500" indent="-571500" algn="r" rtl="1">
-                  <a:buFont typeface="Wingdings" panose="05000000000000000000" pitchFamily="2" charset="2"/>
-                  <a:buChar char="Ø"/>
-                </a:pPr>
-                <a:r>
-                  <a:rPr lang="ar-DZ" sz="3600" dirty="0"/>
-                  <a:t>وهذه العبارات، كيف تسمى </a:t>
-                </a:r>
-                <a:r>
-                  <a:rPr lang="ar-DZ" sz="3600" dirty="0" smtClean="0"/>
-                  <a:t>؟</a:t>
-                </a:r>
-                <a:endParaRPr lang="fr-FR" sz="3600" dirty="0" smtClean="0"/>
-              </a:p>
-              <a:p>
-                <a:pPr algn="r" rtl="1"/>
-                <a:endParaRPr lang="fr-FR" sz="3200" dirty="0"/>
-              </a:p>
-              <a:p>
-                <a:pPr algn="r" rtl="1"/>
-                <a14:m>
-                  <m:oMath xmlns:m="http://schemas.openxmlformats.org/officeDocument/2006/math">
-                    <m:f>
-                      <m:fPr>
-                        <m:ctrlPr>
-                          <a:rPr lang="fr-FR" sz="3200" b="1" i="1"/>
-                        </m:ctrlPr>
-                      </m:fPr>
-                      <m:num>
-                        <m:r>
-                          <a:rPr lang="fr-FR" sz="3200" b="1" i="1"/>
-                          <m:t>𝟑</m:t>
-                        </m:r>
-                      </m:num>
-                      <m:den>
-                        <m:r>
-                          <a:rPr lang="fr-FR" sz="3200" b="1" i="1"/>
-                          <m:t>𝟐</m:t>
-                        </m:r>
-                      </m:den>
-                    </m:f>
-                    <m:r>
-                      <a:rPr lang="fr-FR" sz="3200" b="1"/>
-                      <m:t>+</m:t>
-                    </m:r>
-                    <m:f>
-                      <m:fPr>
-                        <m:ctrlPr>
-                          <a:rPr lang="fr-FR" sz="3200" b="1" i="1"/>
-                        </m:ctrlPr>
-                      </m:fPr>
-                      <m:num>
-                        <m:r>
-                          <a:rPr lang="fr-FR" sz="3200" b="1" i="1"/>
-                          <m:t>𝟓</m:t>
-                        </m:r>
-                      </m:num>
-                      <m:den>
-                        <m:r>
-                          <a:rPr lang="fr-FR" sz="3200" b="1" i="1"/>
-                          <m:t>𝟐</m:t>
-                        </m:r>
-                      </m:den>
-                    </m:f>
-                    <m:r>
-                      <a:rPr lang="fr-FR" sz="3200" b="1" i="1"/>
-                      <m:t>=</m:t>
-                    </m:r>
-                    <m:r>
-                      <a:rPr lang="fr-FR" sz="3200" b="1" i="1"/>
-                      <m:t>𝟒</m:t>
-                    </m:r>
-                  </m:oMath>
-                </a14:m>
-                <a:r>
-                  <a:rPr lang="ar-DZ" sz="3200" b="1" dirty="0"/>
-                  <a:t>           </a:t>
-                </a:r>
-                <a14:m>
-                  <m:oMath xmlns:m="http://schemas.openxmlformats.org/officeDocument/2006/math">
-                    <m:r>
-                      <a:rPr lang="fr-FR" sz="3200" b="1" i="1"/>
-                      <m:t>𝟓</m:t>
-                    </m:r>
-                    <m:r>
-                      <a:rPr lang="fr-FR" sz="3200" b="1" i="1"/>
-                      <m:t>+</m:t>
-                    </m:r>
-                    <m:d>
-                      <m:dPr>
-                        <m:ctrlPr>
-                          <a:rPr lang="fr-FR" sz="3200" b="1" i="1"/>
-                        </m:ctrlPr>
-                      </m:dPr>
-                      <m:e>
-                        <m:r>
-                          <a:rPr lang="fr-FR" sz="3200" b="1" i="1"/>
-                          <m:t>𝟑</m:t>
-                        </m:r>
-                        <m:r>
-                          <a:rPr lang="fr-FR" sz="3200" b="1" i="1"/>
-                          <m:t>−</m:t>
-                        </m:r>
-                        <m:r>
-                          <a:rPr lang="fr-FR" sz="3200" b="1" i="1"/>
-                          <m:t>𝟒</m:t>
-                        </m:r>
-                      </m:e>
-                    </m:d>
-                    <m:r>
-                      <a:rPr lang="fr-FR" sz="3200" b="1" i="1"/>
-                      <m:t>=</m:t>
-                    </m:r>
-                    <m:r>
-                      <a:rPr lang="fr-FR" sz="3200" b="1" i="1"/>
-                      <m:t>𝟒</m:t>
-                    </m:r>
-                  </m:oMath>
-                </a14:m>
-                <a:r>
-                  <a:rPr lang="ar-DZ" sz="3200" b="1" dirty="0"/>
-                  <a:t>             </a:t>
-                </a:r>
-                <a14:m>
-                  <m:oMath xmlns:m="http://schemas.openxmlformats.org/officeDocument/2006/math">
-                    <m:f>
-                      <m:fPr>
-                        <m:ctrlPr>
-                          <a:rPr lang="fr-FR" sz="3200" b="1" i="1"/>
-                        </m:ctrlPr>
-                      </m:fPr>
-                      <m:num>
-                        <m:r>
-                          <a:rPr lang="fr-FR" sz="3200" b="1" i="1"/>
-                          <m:t>𝟑</m:t>
-                        </m:r>
-                      </m:num>
-                      <m:den>
-                        <m:r>
-                          <a:rPr lang="fr-FR" sz="3200" b="1" i="1"/>
-                          <m:t>𝟓</m:t>
-                        </m:r>
-                      </m:den>
-                    </m:f>
-                    <m:r>
-                      <a:rPr lang="fr-FR" sz="3200" b="1" i="1"/>
-                      <m:t>+</m:t>
-                    </m:r>
-                    <m:r>
-                      <a:rPr lang="fr-FR" sz="3200" b="1" i="1"/>
-                      <m:t>𝟏</m:t>
-                    </m:r>
-                    <m:r>
-                      <a:rPr lang="fr-FR" sz="3200" b="1" i="1"/>
-                      <m:t>=</m:t>
-                    </m:r>
-                    <m:f>
-                      <m:fPr>
-                        <m:ctrlPr>
-                          <a:rPr lang="fr-FR" sz="3200" b="1" i="1"/>
-                        </m:ctrlPr>
-                      </m:fPr>
-                      <m:num>
-                        <m:r>
-                          <a:rPr lang="fr-FR" sz="3200" b="1" i="1"/>
-                          <m:t>𝟖</m:t>
-                        </m:r>
-                      </m:num>
-                      <m:den>
-                        <m:r>
-                          <a:rPr lang="fr-FR" sz="3200" b="1" i="1"/>
-                          <m:t>𝟓</m:t>
-                        </m:r>
-                      </m:den>
-                    </m:f>
-                  </m:oMath>
-                </a14:m>
-                <a:r>
-                  <a:rPr lang="ar-DZ" sz="3200" b="1" dirty="0" smtClean="0"/>
-                  <a:t>  </a:t>
-                </a:r>
-                <a:endParaRPr lang="fr-FR" sz="3200" b="1" dirty="0"/>
-              </a:p>
-            </p:txBody>
-          </p:sp>
-        </mc:Choice>
-        <mc:Fallback>
-          <p:sp>
-            <p:nvSpPr>
-              <p:cNvPr id="3" name="Rectangle 2"/>
-              <p:cNvSpPr>
-                <a:spLocks noRot="1" noChangeAspect="1" noMove="1" noResize="1" noEditPoints="1" noAdjustHandles="1" noChangeArrowheads="1" noChangeShapeType="1" noTextEdit="1"/>
-              </p:cNvSpPr>
-              <p:nvPr/>
-            </p:nvSpPr>
-            <p:spPr>
-              <a:xfrm>
-                <a:off x="463827" y="1230337"/>
-                <a:ext cx="11565784" cy="3886385"/>
-              </a:xfrm>
-              <a:prstGeom prst="rect">
-                <a:avLst/>
-              </a:prstGeom>
-              <a:blipFill rotWithShape="0">
-                <a:blip r:embed="rId3"/>
-                <a:stretch>
-                  <a:fillRect t="-2512" r="-1476" b="-1413"/>
-                </a:stretch>
-              </a:blipFill>
-            </p:spPr>
-            <p:txBody>
-              <a:bodyPr/>
-              <a:lstStyle/>
-              <a:p>
-                <a:r>
-                  <a:rPr lang="fr-FR">
-                    <a:noFill/>
-                  </a:rPr>
-                  <a:t> </a:t>
-                </a:r>
-              </a:p>
-            </p:txBody>
-          </p:sp>
-        </mc:Fallback>
-      </mc:AlternateContent>
-    </p:spTree>
-    <p:extLst>
-      <p:ext uri="{BB962C8B-B14F-4D97-AF65-F5344CB8AC3E}">
-        <p14:creationId xmlns:p14="http://schemas.microsoft.com/office/powerpoint/2010/main" val="2209839172"/>
-      </p:ext>
-    </p:extLst>
-  </p:cSld>
-  <p:clrMapOvr>
-    <a:masterClrMapping/>
-  </p:clrMapOvr>
-  <p:transition spd="slow">
-    <p:push dir="u"/>
-  </p:transition>
-  <p:timing>
-    <p:tnLst>
-      <p:par>
-        <p:cTn id="1" dur="indefinite" restart="never" nodeType="tmRoot"/>
-      </p:par>
-    </p:tnLst>
-  </p:timing>
-</p:sld>
-</file>
-
-<file path=ppt/slides/slide3.xml><?xml version="1.0" encoding="utf-8"?>
-<p:sld xmlns:a="http://schemas.openxmlformats.org/drawingml/2006/main" xmlns:r="http://schemas.openxmlformats.org/officeDocument/2006/relationships" xmlns:p="http://schemas.openxmlformats.org/presentationml/2006/main">
-  <p:cSld>
-    <p:bg>
-      <p:bgPr>
-        <a:solidFill>
-          <a:schemeClr val="bg1"/>
-        </a:solidFill>
-        <a:effectLst/>
-      </p:bgPr>
-    </p:bg>
-    <p:spTree>
-      <p:nvGrpSpPr>
-        <p:cNvPr id="1" name=""/>
-        <p:cNvGrpSpPr/>
-        <p:nvPr/>
-      </p:nvGrpSpPr>
-      <p:grpSpPr>
-        <a:xfrm>
-          <a:off x="0" y="0"/>
-          <a:ext cx="0" cy="0"/>
-          <a:chOff x="0" y="0"/>
-          <a:chExt cx="0" cy="0"/>
-        </a:xfrm>
-      </p:grpSpPr>
-      <p:sp>
-        <p:nvSpPr>
-          <p:cNvPr id="4" name="Rectangle 3"/>
-          <p:cNvSpPr/>
-          <p:nvPr/>
-        </p:nvSpPr>
-        <p:spPr>
-          <a:xfrm>
-            <a:off x="0" y="188214"/>
-            <a:ext cx="11970469" cy="800219"/>
-          </a:xfrm>
-          <a:prstGeom prst="rect">
-            <a:avLst/>
-          </a:prstGeom>
-        </p:spPr>
-        <p:txBody>
-          <a:bodyPr wrap="square">
-            <a:spAutoFit/>
-          </a:bodyPr>
-          <a:lstStyle/>
-          <a:p>
-            <a:pPr algn="r" rtl="1">
-              <a:lnSpc>
-                <a:spcPct val="115000"/>
-              </a:lnSpc>
-              <a:spcAft>
-                <a:spcPts val="1000"/>
-              </a:spcAft>
-            </a:pPr>
-            <a:r>
-              <a:rPr lang="ar-DZ" sz="4000" b="1" u="sng" dirty="0" smtClean="0">
-                <a:solidFill>
-                  <a:srgbClr val="FF0000"/>
-                </a:solidFill>
-                <a:latin typeface="Calibri" panose="020F0502020204030204" pitchFamily="34" charset="0"/>
-                <a:ea typeface="Times New Roman" panose="02020603050405020304" pitchFamily="18" charset="0"/>
-                <a:cs typeface="Times New Roman" panose="02020603050405020304" pitchFamily="18" charset="0"/>
-              </a:rPr>
-              <a:t>نشاط :</a:t>
-            </a:r>
-            <a:endParaRPr lang="fr-FR" sz="3200" b="1" dirty="0">
-              <a:effectLst/>
-              <a:latin typeface="Calibri" panose="020F0502020204030204" pitchFamily="34" charset="0"/>
-              <a:ea typeface="Times New Roman" panose="02020603050405020304" pitchFamily="18" charset="0"/>
-              <a:cs typeface="Arial" panose="020B0604020202020204" pitchFamily="34" charset="0"/>
-            </a:endParaRPr>
-          </a:p>
-        </p:txBody>
-      </p:sp>
-      <mc:AlternateContent xmlns:mc="http://schemas.openxmlformats.org/markup-compatibility/2006">
-        <mc:Choice xmlns:a14="http://schemas.microsoft.com/office/drawing/2010/main" Requires="a14">
-          <p:sp>
-            <p:nvSpPr>
-              <p:cNvPr id="8" name="Rectangle 7"/>
-              <p:cNvSpPr/>
-              <p:nvPr/>
-            </p:nvSpPr>
-            <p:spPr>
-              <a:xfrm>
-                <a:off x="117391" y="1470664"/>
-                <a:ext cx="11966713" cy="3744423"/>
-              </a:xfrm>
-              <a:prstGeom prst="rect">
-                <a:avLst/>
-              </a:prstGeom>
-            </p:spPr>
-            <p:txBody>
-              <a:bodyPr wrap="square">
-                <a:spAutoFit/>
-              </a:bodyPr>
-              <a:lstStyle/>
-              <a:p>
-                <a:pPr marL="457200" lvl="0" indent="-457200" algn="r" rtl="1">
-                  <a:buFont typeface="Wingdings" panose="05000000000000000000" pitchFamily="2" charset="2"/>
-                  <a:buChar char="Ø"/>
-                </a:pPr>
-                <a:r>
-                  <a:rPr lang="ar-DZ" sz="3200" dirty="0"/>
-                  <a:t>برأيك، كيف نسمّي رمز باللغة الفرنسية ؟ </a:t>
-                </a:r>
-                <a:endParaRPr lang="fr-FR" sz="3200" dirty="0"/>
-              </a:p>
-              <a:p>
-                <a:pPr marL="457200" indent="-457200" algn="r" rtl="1">
-                  <a:buFont typeface="Wingdings" panose="05000000000000000000" pitchFamily="2" charset="2"/>
-                  <a:buChar char="Ø"/>
-                </a:pPr>
-                <a:r>
-                  <a:rPr lang="ar-DZ" sz="3200" dirty="0"/>
-                  <a:t>لنتوجه إلى الحاسوب ونحاول إدراج بعض هذه الرموز </a:t>
-                </a:r>
-                <a:r>
-                  <a:rPr lang="ar-DZ" sz="3200" dirty="0" smtClean="0"/>
-                  <a:t>؟</a:t>
-                </a:r>
-                <a:endParaRPr lang="fr-FR" sz="3200" dirty="0" smtClean="0"/>
-              </a:p>
-              <a:p>
-                <a:pPr marL="457200" indent="-457200" algn="r" rtl="1">
-                  <a:buFont typeface="Wingdings" panose="05000000000000000000" pitchFamily="2" charset="2"/>
-                  <a:buChar char="Ø"/>
-                </a:pPr>
-                <a:endParaRPr lang="fr-FR" sz="3200" dirty="0"/>
-              </a:p>
-              <a:p>
-                <a:pPr marL="457200" lvl="0" indent="-457200" algn="r" rtl="1">
-                  <a:buFont typeface="Wingdings" panose="05000000000000000000" pitchFamily="2" charset="2"/>
-                  <a:buChar char="Ø"/>
-                </a:pPr>
-                <a:r>
-                  <a:rPr lang="ar-DZ" sz="3200" dirty="0"/>
-                  <a:t>لنحاول إدراج هذا الكسر : </a:t>
-                </a:r>
-                <a14:m>
-                  <m:oMath xmlns:m="http://schemas.openxmlformats.org/officeDocument/2006/math">
-                    <m:f>
-                      <m:fPr>
-                        <m:ctrlPr>
-                          <a:rPr lang="fr-FR" sz="3200" i="1"/>
-                        </m:ctrlPr>
-                      </m:fPr>
-                      <m:num>
-                        <m:r>
-                          <a:rPr lang="fr-FR" sz="3200"/>
-                          <m:t>4</m:t>
-                        </m:r>
-                      </m:num>
-                      <m:den>
-                        <m:r>
-                          <a:rPr lang="fr-FR" sz="3200"/>
-                          <m:t>10</m:t>
-                        </m:r>
-                      </m:den>
-                    </m:f>
-                  </m:oMath>
-                </a14:m>
-                <a:endParaRPr lang="fr-FR" sz="3200" dirty="0"/>
-              </a:p>
-              <a:p>
-                <a:pPr marL="457200" lvl="0" indent="-457200" algn="r" rtl="1">
-                  <a:buFont typeface="Wingdings" panose="05000000000000000000" pitchFamily="2" charset="2"/>
-                  <a:buChar char="Ø"/>
-                </a:pPr>
-                <a:r>
-                  <a:rPr lang="ar-DZ" sz="3200" dirty="0"/>
-                  <a:t>ما التعليمة التي تسمح لنا بإدراج عبارة رياضية ؟ </a:t>
-                </a:r>
-                <a:endParaRPr lang="fr-FR" sz="3200" dirty="0"/>
-              </a:p>
-              <a:p>
-                <a:pPr marL="457200" lvl="0" indent="-457200" algn="r" rtl="1">
-                  <a:buFont typeface="Wingdings" panose="05000000000000000000" pitchFamily="2" charset="2"/>
-                  <a:buChar char="Ø"/>
-                </a:pPr>
-                <a:r>
-                  <a:rPr lang="ar-DZ" sz="3200" dirty="0"/>
-                  <a:t>ماذا تلاحظ عند الضغط على التعليمة </a:t>
-                </a:r>
-                <a:r>
-                  <a:rPr lang="fr-FR" sz="3200" dirty="0"/>
-                  <a:t>Equation</a:t>
-                </a:r>
-                <a:r>
-                  <a:rPr lang="ar-DZ" sz="3200" dirty="0"/>
-                  <a:t> ؟</a:t>
-                </a:r>
-                <a:endParaRPr lang="fr-FR" sz="3200" dirty="0"/>
-              </a:p>
-              <a:p>
-                <a:pPr marL="457200" indent="-457200" algn="r" rtl="1">
-                  <a:buFont typeface="Wingdings" panose="05000000000000000000" pitchFamily="2" charset="2"/>
-                  <a:buChar char="Ø"/>
-                </a:pPr>
-                <a:r>
-                  <a:rPr lang="ar-DZ" sz="3200" dirty="0"/>
-                  <a:t>لنبحث فيه عن كيفية إضافة كسر</a:t>
-                </a:r>
-                <a:endParaRPr lang="ar-DZ" sz="3200" dirty="0"/>
-              </a:p>
-            </p:txBody>
-          </p:sp>
-        </mc:Choice>
-        <mc:Fallback>
-          <p:sp>
-            <p:nvSpPr>
-              <p:cNvPr id="8" name="Rectangle 7"/>
-              <p:cNvSpPr>
-                <a:spLocks noRot="1" noChangeAspect="1" noMove="1" noResize="1" noEditPoints="1" noAdjustHandles="1" noChangeArrowheads="1" noChangeShapeType="1" noTextEdit="1"/>
-              </p:cNvSpPr>
-              <p:nvPr/>
-            </p:nvSpPr>
-            <p:spPr>
-              <a:xfrm>
-                <a:off x="117391" y="1470664"/>
-                <a:ext cx="11966713" cy="3744423"/>
-              </a:xfrm>
-              <a:prstGeom prst="rect">
-                <a:avLst/>
-              </a:prstGeom>
-              <a:blipFill rotWithShape="0">
-                <a:blip r:embed="rId3"/>
-                <a:stretch>
-                  <a:fillRect t="-2443" r="-1223" b="-4397"/>
-                </a:stretch>
-              </a:blipFill>
-            </p:spPr>
-            <p:txBody>
-              <a:bodyPr/>
-              <a:lstStyle/>
-              <a:p>
-                <a:r>
-                  <a:rPr lang="fr-FR">
-                    <a:noFill/>
-                  </a:rPr>
-                  <a:t> </a:t>
-                </a:r>
-              </a:p>
-            </p:txBody>
-          </p:sp>
-        </mc:Fallback>
-      </mc:AlternateContent>
-    </p:spTree>
-    <p:extLst>
-      <p:ext uri="{BB962C8B-B14F-4D97-AF65-F5344CB8AC3E}">
-        <p14:creationId xmlns:p14="http://schemas.microsoft.com/office/powerpoint/2010/main" val="3692245190"/>
-      </p:ext>
-    </p:extLst>
-  </p:cSld>
-  <p:clrMapOvr>
-    <a:masterClrMapping/>
-  </p:clrMapOvr>
-  <p:transition spd="slow">
-    <p:push dir="u"/>
-  </p:transition>
-  <p:timing>
-    <p:tnLst>
-      <p:par>
-        <p:cTn id="1" dur="indefinite" restart="never" nodeType="tmRoot"/>
-      </p:par>
-    </p:tnLst>
-  </p:timing>
-</p:sld>
-</file>
-
-<file path=ppt/slides/slide4.xml><?xml version="1.0" encoding="utf-8"?>
-<p:sld xmlns:a="http://schemas.openxmlformats.org/drawingml/2006/main" xmlns:r="http://schemas.openxmlformats.org/officeDocument/2006/relationships" xmlns:p="http://schemas.openxmlformats.org/presentationml/2006/main">
-  <p:cSld>
-    <p:bg>
-      <p:bgPr>
-        <a:gradFill flip="none" rotWithShape="1">
-          <a:gsLst>
-            <a:gs pos="0">
-              <a:schemeClr val="bg1"/>
-            </a:gs>
-            <a:gs pos="100000">
-              <a:schemeClr val="accent1">
-                <a:lumMod val="20000"/>
-                <a:lumOff val="80000"/>
-              </a:schemeClr>
-            </a:gs>
-          </a:gsLst>
-          <a:lin ang="5400000" scaled="1"/>
-          <a:tileRect/>
-        </a:gradFill>
-        <a:effectLst/>
-      </p:bgPr>
-    </p:bg>
-    <p:spTree>
-      <p:nvGrpSpPr>
-        <p:cNvPr id="1" name=""/>
-        <p:cNvGrpSpPr/>
-        <p:nvPr/>
-      </p:nvGrpSpPr>
-      <p:grpSpPr>
-        <a:xfrm>
-          <a:off x="0" y="0"/>
-          <a:ext cx="0" cy="0"/>
-          <a:chOff x="0" y="0"/>
-          <a:chExt cx="0" cy="0"/>
-        </a:xfrm>
-      </p:grpSpPr>
-      <p:sp>
-        <p:nvSpPr>
-          <p:cNvPr id="3" name="Rectangle 2"/>
-          <p:cNvSpPr/>
-          <p:nvPr/>
-        </p:nvSpPr>
-        <p:spPr>
-          <a:xfrm>
-            <a:off x="86536" y="255756"/>
-            <a:ext cx="11780804" cy="5940088"/>
-          </a:xfrm>
-          <a:prstGeom prst="rect">
-            <a:avLst/>
-          </a:prstGeom>
-        </p:spPr>
-        <p:txBody>
-          <a:bodyPr wrap="square">
-            <a:spAutoFit/>
-          </a:bodyPr>
-          <a:lstStyle/>
-          <a:p>
-            <a:pPr algn="r" rtl="1">
-              <a:spcAft>
-                <a:spcPts val="800"/>
-              </a:spcAft>
-            </a:pPr>
-            <a:r>
-              <a:rPr lang="ar-DZ" sz="3200" b="1" u="sng" dirty="0">
-                <a:solidFill>
-                  <a:srgbClr val="FF0000"/>
-                </a:solidFill>
-              </a:rPr>
-              <a:t>1- إدراج </a:t>
-            </a:r>
-            <a:r>
-              <a:rPr lang="ar-DZ" sz="3200" b="1" u="sng" dirty="0" smtClean="0">
-                <a:solidFill>
-                  <a:srgbClr val="FF0000"/>
-                </a:solidFill>
-              </a:rPr>
-              <a:t>الرموز </a:t>
-            </a:r>
-            <a:r>
-              <a:rPr lang="fr-FR" sz="3200" b="1" u="sng" dirty="0" smtClean="0">
-                <a:solidFill>
-                  <a:srgbClr val="FF0000"/>
-                </a:solidFill>
-              </a:rPr>
-              <a:t>Symboles</a:t>
-            </a:r>
-            <a:r>
-              <a:rPr lang="ar-DZ" sz="3200" b="1" u="sng" dirty="0" smtClean="0">
-                <a:solidFill>
-                  <a:srgbClr val="FF0000"/>
-                </a:solidFill>
-              </a:rPr>
-              <a:t> :</a:t>
-            </a:r>
-            <a:endParaRPr lang="fr-FR" sz="3200" b="1" dirty="0">
-              <a:solidFill>
-                <a:srgbClr val="FF0000"/>
-              </a:solidFill>
-            </a:endParaRPr>
-          </a:p>
-          <a:p>
-            <a:pPr marL="457200" indent="-457200" algn="r" rtl="1">
-              <a:spcAft>
-                <a:spcPts val="800"/>
-              </a:spcAft>
-              <a:buFont typeface="Arial" panose="020B0604020202020204" pitchFamily="34" charset="0"/>
-              <a:buChar char="•"/>
-            </a:pPr>
-            <a:r>
-              <a:rPr lang="ar-DZ" sz="3200" dirty="0" smtClean="0"/>
-              <a:t>ت</a:t>
-            </a:r>
-            <a:r>
-              <a:rPr lang="ar-SA" sz="3200" dirty="0"/>
-              <a:t>بويب الإدراج</a:t>
-            </a:r>
-            <a:r>
-              <a:rPr lang="ar-DZ" sz="3200" dirty="0"/>
-              <a:t> (</a:t>
-            </a:r>
-            <a:r>
-              <a:rPr lang="fr-FR" sz="3200" dirty="0"/>
-              <a:t>Insertion</a:t>
-            </a:r>
-            <a:r>
-              <a:rPr lang="ar-DZ" sz="3200" dirty="0"/>
-              <a:t>)</a:t>
-            </a:r>
-            <a:endParaRPr lang="fr-FR" sz="3200" dirty="0"/>
-          </a:p>
-          <a:p>
-            <a:pPr marL="457200" indent="-457200" algn="r" rtl="1">
-              <a:spcAft>
-                <a:spcPts val="800"/>
-              </a:spcAft>
-              <a:buFont typeface="Arial" panose="020B0604020202020204" pitchFamily="34" charset="0"/>
-              <a:buChar char="•"/>
-            </a:pPr>
-            <a:r>
-              <a:rPr lang="ar-DZ" sz="3200" dirty="0" smtClean="0"/>
-              <a:t>التعليمة </a:t>
-            </a:r>
-            <a:r>
-              <a:rPr lang="ar-DZ" sz="3200" dirty="0"/>
-              <a:t>رمز</a:t>
-            </a:r>
-            <a:r>
-              <a:rPr lang="fr-FR" sz="3200" dirty="0"/>
-              <a:t>  </a:t>
-            </a:r>
-            <a:r>
-              <a:rPr lang="ar-DZ" sz="3200" dirty="0"/>
-              <a:t> (</a:t>
-            </a:r>
-            <a:r>
-              <a:rPr lang="fr-FR" sz="3200" dirty="0"/>
-              <a:t>Symbole</a:t>
-            </a:r>
-            <a:r>
-              <a:rPr lang="ar-DZ" sz="3200" dirty="0"/>
-              <a:t>)</a:t>
-            </a:r>
-            <a:endParaRPr lang="fr-FR" sz="3200" dirty="0"/>
-          </a:p>
-          <a:p>
-            <a:pPr marL="457200" indent="-457200" algn="r" rtl="1">
-              <a:spcAft>
-                <a:spcPts val="800"/>
-              </a:spcAft>
-              <a:buFont typeface="Arial" panose="020B0604020202020204" pitchFamily="34" charset="0"/>
-              <a:buChar char="•"/>
-              <a:tabLst>
-                <a:tab pos="561340" algn="l"/>
-              </a:tabLst>
-            </a:pPr>
-            <a:r>
-              <a:rPr lang="ar-SA" sz="3200" dirty="0" smtClean="0"/>
-              <a:t>رموز </a:t>
-            </a:r>
-            <a:r>
-              <a:rPr lang="ar-SA" sz="3200" dirty="0"/>
-              <a:t>أخرى (</a:t>
-            </a:r>
-            <a:r>
-              <a:rPr lang="fr-FR" sz="3200" dirty="0"/>
-              <a:t>Autres Symboles</a:t>
-            </a:r>
-            <a:r>
-              <a:rPr lang="ar-SA" sz="3200" dirty="0"/>
-              <a:t>)</a:t>
-            </a:r>
-            <a:endParaRPr lang="fr-FR" sz="3200" dirty="0"/>
-          </a:p>
-          <a:p>
-            <a:pPr marL="457200" indent="-457200" algn="r" rtl="1">
-              <a:spcAft>
-                <a:spcPts val="800"/>
-              </a:spcAft>
-              <a:buFont typeface="Arial" panose="020B0604020202020204" pitchFamily="34" charset="0"/>
-              <a:buChar char="•"/>
-              <a:tabLst>
-                <a:tab pos="561340" algn="l"/>
-              </a:tabLst>
-            </a:pPr>
-            <a:r>
-              <a:rPr lang="ar-DZ" sz="3200" dirty="0" smtClean="0"/>
-              <a:t>نبحث </a:t>
-            </a:r>
-            <a:r>
-              <a:rPr lang="ar-DZ" sz="3200" dirty="0"/>
-              <a:t>على</a:t>
-            </a:r>
-            <a:r>
-              <a:rPr lang="ar-SA" sz="3200" dirty="0"/>
-              <a:t> الرمز الذي نريده ثم ننقر على (</a:t>
-            </a:r>
-            <a:r>
-              <a:rPr lang="fr-FR" sz="3200" dirty="0"/>
-              <a:t>Insérer</a:t>
-            </a:r>
-            <a:r>
-              <a:rPr lang="ar-SA" sz="3200" dirty="0" smtClean="0"/>
-              <a:t>)</a:t>
-            </a:r>
-            <a:endParaRPr lang="fr-FR" sz="3200" dirty="0"/>
-          </a:p>
-          <a:p>
-            <a:pPr algn="r" rtl="1">
-              <a:spcAft>
-                <a:spcPts val="800"/>
-              </a:spcAft>
-              <a:tabLst>
-                <a:tab pos="561340" algn="l"/>
-              </a:tabLst>
-            </a:pPr>
-            <a:r>
-              <a:rPr lang="ar-DZ" sz="3200" dirty="0"/>
-              <a:t> </a:t>
-            </a:r>
-            <a:endParaRPr lang="fr-FR" sz="3200" dirty="0"/>
-          </a:p>
-          <a:p>
-            <a:pPr algn="r" rtl="1">
-              <a:spcAft>
-                <a:spcPts val="800"/>
-              </a:spcAft>
-            </a:pPr>
-            <a:r>
-              <a:rPr lang="ar-DZ" sz="3200" b="1" u="sng" dirty="0">
-                <a:solidFill>
-                  <a:srgbClr val="FF0000"/>
-                </a:solidFill>
-              </a:rPr>
-              <a:t>2- إدراج عبارات رياضية :</a:t>
-            </a:r>
-            <a:endParaRPr lang="fr-FR" sz="3200" b="1" dirty="0">
-              <a:solidFill>
-                <a:srgbClr val="FF0000"/>
-              </a:solidFill>
-            </a:endParaRPr>
-          </a:p>
-          <a:p>
-            <a:pPr marL="457200" indent="-457200" algn="r" rtl="1">
-              <a:spcAft>
-                <a:spcPts val="800"/>
-              </a:spcAft>
-              <a:buFont typeface="Arial" panose="020B0604020202020204" pitchFamily="34" charset="0"/>
-              <a:buChar char="•"/>
-            </a:pPr>
-            <a:r>
-              <a:rPr lang="ar-DZ" sz="3200" dirty="0" smtClean="0"/>
-              <a:t>ت</a:t>
-            </a:r>
-            <a:r>
-              <a:rPr lang="ar-SA" sz="3200" dirty="0" smtClean="0"/>
-              <a:t>بويب </a:t>
-            </a:r>
-            <a:r>
-              <a:rPr lang="ar-SA" sz="3200" dirty="0"/>
-              <a:t>الإدراج </a:t>
-            </a:r>
-            <a:r>
-              <a:rPr lang="ar-DZ" sz="3200" dirty="0"/>
-              <a:t>(</a:t>
-            </a:r>
-            <a:r>
-              <a:rPr lang="fr-FR" sz="3200" dirty="0"/>
-              <a:t>Insertion</a:t>
-            </a:r>
-            <a:r>
-              <a:rPr lang="ar-DZ" sz="3200" dirty="0"/>
-              <a:t>)</a:t>
-            </a:r>
-            <a:endParaRPr lang="fr-FR" sz="3200" dirty="0"/>
-          </a:p>
-          <a:p>
-            <a:pPr marL="457200" indent="-457200" algn="r" rtl="1">
-              <a:spcAft>
-                <a:spcPts val="800"/>
-              </a:spcAft>
-              <a:buFont typeface="Arial" panose="020B0604020202020204" pitchFamily="34" charset="0"/>
-              <a:buChar char="•"/>
-            </a:pPr>
-            <a:r>
-              <a:rPr lang="ar-DZ" sz="3200" dirty="0" smtClean="0"/>
-              <a:t>التعليمة </a:t>
-            </a:r>
-            <a:r>
-              <a:rPr lang="ar-DZ" sz="3200" dirty="0"/>
-              <a:t>معادلة (</a:t>
-            </a:r>
-            <a:r>
-              <a:rPr lang="fr-FR" sz="3200" dirty="0"/>
-              <a:t>Equation</a:t>
-            </a:r>
-            <a:r>
-              <a:rPr lang="ar-DZ" sz="3200" dirty="0" smtClean="0"/>
-              <a:t>)</a:t>
-            </a:r>
-            <a:endParaRPr lang="fr-FR" sz="3200" dirty="0" smtClean="0"/>
-          </a:p>
-          <a:p>
-            <a:pPr marL="457200" lvl="0" indent="-457200" algn="r" rtl="1">
-              <a:spcAft>
-                <a:spcPts val="800"/>
-              </a:spcAft>
-              <a:buFont typeface="Arial" panose="020B0604020202020204" pitchFamily="34" charset="0"/>
-              <a:buChar char="•"/>
-            </a:pPr>
-            <a:r>
-              <a:rPr lang="ar-DZ" sz="3200" dirty="0" smtClean="0">
-                <a:latin typeface="Times New Roman" panose="02020603050405020304" pitchFamily="18" charset="0"/>
-                <a:ea typeface="Calibri" panose="020F0502020204030204" pitchFamily="34" charset="0"/>
-                <a:cs typeface="Times New Roman" panose="02020603050405020304" pitchFamily="18" charset="0"/>
-              </a:rPr>
-              <a:t>نكتب </a:t>
-            </a:r>
-            <a:r>
-              <a:rPr lang="ar-DZ" sz="3200" dirty="0">
-                <a:latin typeface="Times New Roman" panose="02020603050405020304" pitchFamily="18" charset="0"/>
-                <a:ea typeface="Calibri" panose="020F0502020204030204" pitchFamily="34" charset="0"/>
-                <a:cs typeface="Times New Roman" panose="02020603050405020304" pitchFamily="18" charset="0"/>
-              </a:rPr>
-              <a:t>العبارة التي نريدها بالاعتماد على التبويب الجديد</a:t>
-            </a:r>
-            <a:r>
-              <a:rPr lang="fr-FR" sz="3200" dirty="0">
-                <a:latin typeface="Times New Roman" panose="02020603050405020304" pitchFamily="18" charset="0"/>
-                <a:ea typeface="Calibri" panose="020F0502020204030204" pitchFamily="34" charset="0"/>
-                <a:cs typeface="Times New Roman" panose="02020603050405020304" pitchFamily="18" charset="0"/>
-              </a:rPr>
-              <a:t> </a:t>
-            </a:r>
-            <a:r>
-              <a:rPr lang="fr-FR" sz="3200" dirty="0" smtClean="0">
-                <a:latin typeface="Times New Roman" panose="02020603050405020304" pitchFamily="18" charset="0"/>
-                <a:ea typeface="Calibri" panose="020F0502020204030204" pitchFamily="34" charset="0"/>
-                <a:cs typeface="Times New Roman" panose="02020603050405020304" pitchFamily="18" charset="0"/>
-              </a:rPr>
-              <a:t>Conception</a:t>
-            </a:r>
-            <a:r>
-              <a:rPr lang="fr-FR" sz="3200" dirty="0">
-                <a:latin typeface="Times New Roman" panose="02020603050405020304" pitchFamily="18" charset="0"/>
-                <a:ea typeface="Calibri" panose="020F0502020204030204" pitchFamily="34" charset="0"/>
-                <a:cs typeface="Times New Roman" panose="02020603050405020304" pitchFamily="18" charset="0"/>
-              </a:rPr>
-              <a:t> </a:t>
-            </a:r>
-            <a:endParaRPr lang="fr-FR" sz="3200" dirty="0">
-              <a:latin typeface="Arial" panose="020B0604020202020204" pitchFamily="34" charset="0"/>
-            </a:endParaRPr>
-          </a:p>
-        </p:txBody>
-      </p:sp>
-      <p:pic>
-        <p:nvPicPr>
-          <p:cNvPr id="2049" name="Image 10"/>
-          <p:cNvPicPr>
-            <a:picLocks noChangeAspect="1" noChangeArrowheads="1"/>
-          </p:cNvPicPr>
-          <p:nvPr/>
-        </p:nvPicPr>
-        <p:blipFill>
-          <a:blip r:embed="rId2">
-            <a:extLst>
-              <a:ext uri="{28A0092B-C50C-407E-A947-70E740481C1C}">
-                <a14:useLocalDpi xmlns:a14="http://schemas.microsoft.com/office/drawing/2010/main" val="0"/>
-              </a:ext>
-            </a:extLst>
-          </a:blip>
-          <a:srcRect/>
-          <a:stretch>
-            <a:fillRect/>
-          </a:stretch>
-        </p:blipFill>
-        <p:spPr bwMode="auto">
-          <a:xfrm>
-            <a:off x="6891129" y="5042115"/>
-            <a:ext cx="595588" cy="465959"/>
-          </a:xfrm>
-          <a:prstGeom prst="rect">
-            <a:avLst/>
-          </a:prstGeom>
-          <a:noFill/>
-          <a:extLst>
-            <a:ext uri="{909E8E84-426E-40DD-AFC4-6F175D3DCCD1}">
-              <a14:hiddenFill xmlns:a14="http://schemas.microsoft.com/office/drawing/2010/main">
-                <a:solidFill>
-                  <a:srgbClr val="FFFFFF"/>
-                </a:solidFill>
-              </a14:hiddenFill>
-            </a:ext>
-          </a:extLst>
-        </p:spPr>
-      </p:pic>
-      <p:pic>
-        <p:nvPicPr>
-          <p:cNvPr id="2050" name="Image 9"/>
-          <p:cNvPicPr>
-            <a:picLocks noChangeAspect="1" noChangeArrowheads="1"/>
-          </p:cNvPicPr>
-          <p:nvPr/>
-        </p:nvPicPr>
-        <p:blipFill>
-          <a:blip r:embed="rId3">
-            <a:extLst>
-              <a:ext uri="{28A0092B-C50C-407E-A947-70E740481C1C}">
-                <a14:useLocalDpi xmlns:a14="http://schemas.microsoft.com/office/drawing/2010/main" val="0"/>
-              </a:ext>
-            </a:extLst>
-          </a:blip>
-          <a:srcRect/>
-          <a:stretch>
-            <a:fillRect/>
-          </a:stretch>
-        </p:blipFill>
-        <p:spPr bwMode="auto">
-          <a:xfrm>
-            <a:off x="6891129" y="1444487"/>
-            <a:ext cx="724872" cy="611740"/>
-          </a:xfrm>
-          <a:prstGeom prst="rect">
-            <a:avLst/>
-          </a:prstGeom>
-          <a:noFill/>
-          <a:extLst>
-            <a:ext uri="{909E8E84-426E-40DD-AFC4-6F175D3DCCD1}">
-              <a14:hiddenFill xmlns:a14="http://schemas.microsoft.com/office/drawing/2010/main">
-                <a:solidFill>
-                  <a:srgbClr val="FFFFFF"/>
-                </a:solidFill>
-              </a14:hiddenFill>
-            </a:ext>
-          </a:extLst>
-        </p:spPr>
-      </p:pic>
-    </p:spTree>
-    <p:extLst>
-      <p:ext uri="{BB962C8B-B14F-4D97-AF65-F5344CB8AC3E}">
-        <p14:creationId xmlns:p14="http://schemas.microsoft.com/office/powerpoint/2010/main" val="3701620258"/>
-      </p:ext>
-    </p:extLst>
-  </p:cSld>
-  <p:clrMapOvr>
-    <a:masterClrMapping/>
-  </p:clrMapOvr>
-  <p:timing>
-    <p:tnLst>
-      <p:par>
-        <p:cTn id="1" dur="indefinite" restart="never" nodeType="tmRoot"/>
-      </p:par>
-    </p:tnLst>
-  </p:timing>
-</p:sld>
-</file>
-
-<file path=ppt/slides/slide5.xml><?xml version="1.0" encoding="utf-8"?>
-<p:sld xmlns:a="http://schemas.openxmlformats.org/drawingml/2006/main" xmlns:r="http://schemas.openxmlformats.org/officeDocument/2006/relationships" xmlns:p="http://schemas.openxmlformats.org/presentationml/2006/main">
-  <p:cSld>
-    <p:bg>
-      <p:bgPr>
-        <a:solidFill>
-          <a:schemeClr val="bg1"/>
-        </a:solidFill>
-        <a:effectLst/>
-      </p:bgPr>
-    </p:bg>
-    <p:spTree>
-      <p:nvGrpSpPr>
-        <p:cNvPr id="1" name=""/>
-        <p:cNvGrpSpPr/>
-        <p:nvPr/>
-      </p:nvGrpSpPr>
-      <p:grpSpPr>
-        <a:xfrm>
-          <a:off x="0" y="0"/>
-          <a:ext cx="0" cy="0"/>
-          <a:chOff x="0" y="0"/>
-          <a:chExt cx="0" cy="0"/>
-        </a:xfrm>
-      </p:grpSpPr>
-      <p:sp>
-        <p:nvSpPr>
-          <p:cNvPr id="4" name="Rectangle 3"/>
-          <p:cNvSpPr/>
-          <p:nvPr/>
-        </p:nvSpPr>
-        <p:spPr>
-          <a:xfrm>
-            <a:off x="92765" y="104310"/>
-            <a:ext cx="11859904" cy="769441"/>
-          </a:xfrm>
-          <a:prstGeom prst="rect">
-            <a:avLst/>
-          </a:prstGeom>
-        </p:spPr>
-        <p:txBody>
-          <a:bodyPr wrap="square">
-            <a:spAutoFit/>
-          </a:bodyPr>
-          <a:lstStyle/>
-          <a:p>
-            <a:pPr algn="r" rtl="1">
-              <a:spcAft>
-                <a:spcPts val="1000"/>
-              </a:spcAft>
-            </a:pPr>
-            <a:r>
-              <a:rPr lang="ar-DZ" sz="4400" b="1" u="sng" dirty="0" smtClean="0">
-                <a:solidFill>
-                  <a:srgbClr val="FF0000"/>
-                </a:solidFill>
-                <a:latin typeface="Calibri" panose="020F0502020204030204" pitchFamily="34" charset="0"/>
-                <a:ea typeface="Times New Roman" panose="02020603050405020304" pitchFamily="18" charset="0"/>
-                <a:cs typeface="Times New Roman" panose="02020603050405020304" pitchFamily="18" charset="0"/>
-              </a:rPr>
-              <a:t>تدريب :</a:t>
-            </a:r>
-          </a:p>
-        </p:txBody>
-      </p:sp>
-      <mc:AlternateContent xmlns:mc="http://schemas.openxmlformats.org/markup-compatibility/2006">
-        <mc:Choice xmlns:a14="http://schemas.microsoft.com/office/drawing/2010/main" Requires="a14">
-          <p:sp>
-            <p:nvSpPr>
-              <p:cNvPr id="3" name="Rectangle 2"/>
-              <p:cNvSpPr/>
-              <p:nvPr/>
-            </p:nvSpPr>
-            <p:spPr>
-              <a:xfrm>
-                <a:off x="622852" y="993020"/>
-                <a:ext cx="11329817" cy="3645742"/>
-              </a:xfrm>
-              <a:prstGeom prst="rect">
-                <a:avLst/>
-              </a:prstGeom>
-            </p:spPr>
-            <p:txBody>
-              <a:bodyPr wrap="square">
-                <a:spAutoFit/>
-              </a:bodyPr>
-              <a:lstStyle/>
-              <a:p>
-                <a:pPr algn="r" rtl="1"/>
-                <a:r>
-                  <a:rPr lang="ar-DZ" sz="3600" dirty="0"/>
-                  <a:t>لنحاول كتابة ما يلي في برنامج </a:t>
-                </a:r>
-                <a:r>
-                  <a:rPr lang="fr-FR" sz="3600" dirty="0"/>
-                  <a:t>Word</a:t>
-                </a:r>
-                <a:r>
-                  <a:rPr lang="ar-DZ" sz="3600" dirty="0"/>
-                  <a:t> </a:t>
-                </a:r>
-                <a:r>
-                  <a:rPr lang="ar-DZ" sz="3600" dirty="0" smtClean="0"/>
-                  <a:t>:</a:t>
-                </a:r>
-              </a:p>
-              <a:p>
-                <a:pPr algn="r" rtl="1"/>
-                <a:endParaRPr lang="fr-FR" sz="3600" dirty="0"/>
-              </a:p>
-              <a:p>
-                <a:pPr marL="571500" indent="-571500" algn="r" rtl="1">
-                  <a:buFont typeface="Wingdings" panose="05000000000000000000" pitchFamily="2" charset="2"/>
-                  <a:buChar char="ü"/>
-                </a:pPr>
-                <a:r>
-                  <a:rPr lang="fr-FR" sz="3600" dirty="0"/>
-                  <a:t>1 $ = 140 DA</a:t>
-                </a:r>
-              </a:p>
-              <a:p>
-                <a:pPr marL="571500" lvl="0" indent="-571500" algn="r" rtl="1">
-                  <a:buFont typeface="Wingdings" panose="05000000000000000000" pitchFamily="2" charset="2"/>
-                  <a:buChar char="ü"/>
-                </a:pPr>
-                <a:r>
-                  <a:rPr lang="fr-FR" sz="3600" dirty="0"/>
-                  <a:t>100 = 50 + 50</a:t>
-                </a:r>
-              </a:p>
-              <a:p>
-                <a:pPr marL="571500" lvl="0" indent="-571500" algn="r" rtl="1">
-                  <a:buFont typeface="Wingdings" panose="05000000000000000000" pitchFamily="2" charset="2"/>
-                  <a:buChar char="ü"/>
-                </a:pPr>
-                <a14:m>
-                  <m:oMath xmlns:m="http://schemas.openxmlformats.org/officeDocument/2006/math">
-                    <m:r>
-                      <a:rPr lang="fr-FR" sz="3600" i="1"/>
-                      <m:t>20</m:t>
-                    </m:r>
-                    <m:r>
-                      <a:rPr lang="fr-FR" sz="3600" i="1"/>
-                      <m:t>&lt;</m:t>
-                    </m:r>
-                    <m:r>
-                      <a:rPr lang="fr-FR" sz="3600" i="1"/>
-                      <m:t>30</m:t>
-                    </m:r>
-                    <m:r>
-                      <a:rPr lang="fr-FR" sz="3600" i="1"/>
-                      <m:t>&lt;</m:t>
-                    </m:r>
-                    <m:r>
-                      <a:rPr lang="fr-FR" sz="3600" i="1"/>
-                      <m:t>40</m:t>
-                    </m:r>
-                  </m:oMath>
-                </a14:m>
-                <a:endParaRPr lang="fr-FR" sz="3600" dirty="0"/>
-              </a:p>
-              <a:p>
-                <a:pPr marL="571500" indent="-571500" algn="r" rtl="1">
-                  <a:buFont typeface="Wingdings" panose="05000000000000000000" pitchFamily="2" charset="2"/>
-                  <a:buChar char="ü"/>
-                </a:pPr>
-                <a:r>
-                  <a:rPr lang="fr-FR" sz="3600" dirty="0"/>
-                  <a:t>  </a:t>
-                </a:r>
-                <a14:m>
-                  <m:oMath xmlns:m="http://schemas.openxmlformats.org/officeDocument/2006/math">
-                    <m:f>
-                      <m:fPr>
-                        <m:ctrlPr>
-                          <a:rPr lang="fr-FR" sz="3600" i="1"/>
-                        </m:ctrlPr>
-                      </m:fPr>
-                      <m:num>
-                        <m:r>
-                          <a:rPr lang="fr-FR" sz="3600" i="1"/>
-                          <m:t>100</m:t>
-                        </m:r>
-                      </m:num>
-                      <m:den>
-                        <m:r>
-                          <a:rPr lang="fr-FR" sz="3600" i="1"/>
-                          <m:t>2</m:t>
-                        </m:r>
-                      </m:den>
-                    </m:f>
-                    <m:r>
-                      <a:rPr lang="fr-FR" sz="3600" i="1"/>
-                      <m:t>=</m:t>
-                    </m:r>
-                    <m:r>
-                      <a:rPr lang="fr-FR" sz="3600" i="1"/>
-                      <m:t>50</m:t>
-                    </m:r>
-                  </m:oMath>
-                </a14:m>
-                <a:endParaRPr lang="ar-DZ" sz="3600" dirty="0"/>
-              </a:p>
-            </p:txBody>
-          </p:sp>
-        </mc:Choice>
-        <mc:Fallback>
-          <p:sp>
-            <p:nvSpPr>
-              <p:cNvPr id="3" name="Rectangle 2"/>
-              <p:cNvSpPr>
-                <a:spLocks noRot="1" noChangeAspect="1" noMove="1" noResize="1" noEditPoints="1" noAdjustHandles="1" noChangeArrowheads="1" noChangeShapeType="1" noTextEdit="1"/>
-              </p:cNvSpPr>
-              <p:nvPr/>
-            </p:nvSpPr>
-            <p:spPr>
-              <a:xfrm>
-                <a:off x="622852" y="993020"/>
-                <a:ext cx="11329817" cy="3645742"/>
-              </a:xfrm>
-              <a:prstGeom prst="rect">
-                <a:avLst/>
-              </a:prstGeom>
-              <a:blipFill rotWithShape="0">
-                <a:blip r:embed="rId2"/>
-                <a:stretch>
-                  <a:fillRect t="-3010" r="-1614" b="-1171"/>
-                </a:stretch>
-              </a:blipFill>
-            </p:spPr>
-            <p:txBody>
-              <a:bodyPr/>
-              <a:lstStyle/>
-              <a:p>
-                <a:r>
-                  <a:rPr lang="fr-FR">
-                    <a:noFill/>
-                  </a:rPr>
-                  <a:t> </a:t>
-                </a:r>
-              </a:p>
-            </p:txBody>
-          </p:sp>
-        </mc:Fallback>
-      </mc:AlternateContent>
-    </p:spTree>
-    <p:extLst>
-      <p:ext uri="{BB962C8B-B14F-4D97-AF65-F5344CB8AC3E}">
-        <p14:creationId xmlns:p14="http://schemas.microsoft.com/office/powerpoint/2010/main" val="1483634635"/>
-      </p:ext>
-    </p:extLst>
-  </p:cSld>
-  <p:clrMapOvr>
-    <a:masterClrMapping/>
-  </p:clrMapOvr>
-  <p:timing>
-    <p:tnLst>
-      <p:par>
-        <p:cTn id="1" dur="indefinite" restart="never" nodeType="tmRoot"/>
-      </p:par>
-    </p:tnLst>
   </p:timing>
 </p:sld>
 </file>

--- a/2 am/بناء المشاريع 2/تقديم سكراتش 1/cours 13/عرض الدرس.pptx
+++ b/2 am/بناء المشاريع 2/تقديم سكراتش 1/cours 13/عرض الدرس.pptx
@@ -203,7 +203,7 @@
           <a:p>
             <a:fld id="{04809ED0-CAD5-44E1-91E8-3616676F7223}" type="datetimeFigureOut">
               <a:rPr lang="fr-FR" smtClean="0"/>
-              <a:t>14/04/2025</a:t>
+              <a:t>20/04/2025</a:t>
             </a:fld>
             <a:endParaRPr lang="fr-FR"/>
           </a:p>
@@ -854,7 +854,7 @@
           <a:p>
             <a:fld id="{16B4F739-B7D4-4EFD-BF14-44542778AB9F}" type="datetimeFigureOut">
               <a:rPr lang="fr-FR" smtClean="0"/>
-              <a:t>14/04/2025</a:t>
+              <a:t>20/04/2025</a:t>
             </a:fld>
             <a:endParaRPr lang="fr-FR"/>
           </a:p>
@@ -1024,7 +1024,7 @@
           <a:p>
             <a:fld id="{16B4F739-B7D4-4EFD-BF14-44542778AB9F}" type="datetimeFigureOut">
               <a:rPr lang="fr-FR" smtClean="0"/>
-              <a:t>14/04/2025</a:t>
+              <a:t>20/04/2025</a:t>
             </a:fld>
             <a:endParaRPr lang="fr-FR"/>
           </a:p>
@@ -1204,7 +1204,7 @@
           <a:p>
             <a:fld id="{16B4F739-B7D4-4EFD-BF14-44542778AB9F}" type="datetimeFigureOut">
               <a:rPr lang="fr-FR" smtClean="0"/>
-              <a:t>14/04/2025</a:t>
+              <a:t>20/04/2025</a:t>
             </a:fld>
             <a:endParaRPr lang="fr-FR"/>
           </a:p>
@@ -1374,7 +1374,7 @@
           <a:p>
             <a:fld id="{16B4F739-B7D4-4EFD-BF14-44542778AB9F}" type="datetimeFigureOut">
               <a:rPr lang="fr-FR" smtClean="0"/>
-              <a:t>14/04/2025</a:t>
+              <a:t>20/04/2025</a:t>
             </a:fld>
             <a:endParaRPr lang="fr-FR"/>
           </a:p>
@@ -1620,7 +1620,7 @@
           <a:p>
             <a:fld id="{16B4F739-B7D4-4EFD-BF14-44542778AB9F}" type="datetimeFigureOut">
               <a:rPr lang="fr-FR" smtClean="0"/>
-              <a:t>14/04/2025</a:t>
+              <a:t>20/04/2025</a:t>
             </a:fld>
             <a:endParaRPr lang="fr-FR"/>
           </a:p>
@@ -1852,7 +1852,7 @@
           <a:p>
             <a:fld id="{16B4F739-B7D4-4EFD-BF14-44542778AB9F}" type="datetimeFigureOut">
               <a:rPr lang="fr-FR" smtClean="0"/>
-              <a:t>14/04/2025</a:t>
+              <a:t>20/04/2025</a:t>
             </a:fld>
             <a:endParaRPr lang="fr-FR"/>
           </a:p>
@@ -2219,7 +2219,7 @@
           <a:p>
             <a:fld id="{16B4F739-B7D4-4EFD-BF14-44542778AB9F}" type="datetimeFigureOut">
               <a:rPr lang="fr-FR" smtClean="0"/>
-              <a:t>14/04/2025</a:t>
+              <a:t>20/04/2025</a:t>
             </a:fld>
             <a:endParaRPr lang="fr-FR"/>
           </a:p>
@@ -2337,7 +2337,7 @@
           <a:p>
             <a:fld id="{16B4F739-B7D4-4EFD-BF14-44542778AB9F}" type="datetimeFigureOut">
               <a:rPr lang="fr-FR" smtClean="0"/>
-              <a:t>14/04/2025</a:t>
+              <a:t>20/04/2025</a:t>
             </a:fld>
             <a:endParaRPr lang="fr-FR"/>
           </a:p>
@@ -2432,7 +2432,7 @@
           <a:p>
             <a:fld id="{16B4F739-B7D4-4EFD-BF14-44542778AB9F}" type="datetimeFigureOut">
               <a:rPr lang="fr-FR" smtClean="0"/>
-              <a:t>14/04/2025</a:t>
+              <a:t>20/04/2025</a:t>
             </a:fld>
             <a:endParaRPr lang="fr-FR"/>
           </a:p>
@@ -2709,7 +2709,7 @@
           <a:p>
             <a:fld id="{16B4F739-B7D4-4EFD-BF14-44542778AB9F}" type="datetimeFigureOut">
               <a:rPr lang="fr-FR" smtClean="0"/>
-              <a:t>14/04/2025</a:t>
+              <a:t>20/04/2025</a:t>
             </a:fld>
             <a:endParaRPr lang="fr-FR"/>
           </a:p>
@@ -2962,7 +2962,7 @@
           <a:p>
             <a:fld id="{16B4F739-B7D4-4EFD-BF14-44542778AB9F}" type="datetimeFigureOut">
               <a:rPr lang="fr-FR" smtClean="0"/>
-              <a:t>14/04/2025</a:t>
+              <a:t>20/04/2025</a:t>
             </a:fld>
             <a:endParaRPr lang="fr-FR"/>
           </a:p>
@@ -3205,7 +3205,7 @@
           <a:p>
             <a:fld id="{16B4F739-B7D4-4EFD-BF14-44542778AB9F}" type="datetimeFigureOut">
               <a:rPr lang="fr-FR" smtClean="0"/>
-              <a:t>14/04/2025</a:t>
+              <a:t>20/04/2025</a:t>
             </a:fld>
             <a:endParaRPr lang="fr-FR"/>
           </a:p>
@@ -3735,6 +3735,36 @@
           </a:p>
         </p:txBody>
       </p:sp>
+      <p:pic>
+        <p:nvPicPr>
+          <p:cNvPr id="3" name="Image 2"/>
+          <p:cNvPicPr>
+            <a:picLocks noChangeAspect="1"/>
+          </p:cNvPicPr>
+          <p:nvPr/>
+        </p:nvPicPr>
+        <p:blipFill>
+          <a:blip r:embed="rId2">
+            <a:extLst>
+              <a:ext uri="{28A0092B-C50C-407E-A947-70E740481C1C}">
+                <a14:useLocalDpi xmlns:a14="http://schemas.microsoft.com/office/drawing/2010/main" val="0"/>
+              </a:ext>
+            </a:extLst>
+          </a:blip>
+          <a:stretch>
+            <a:fillRect/>
+          </a:stretch>
+        </p:blipFill>
+        <p:spPr>
+          <a:xfrm>
+            <a:off x="3498573" y="2663557"/>
+            <a:ext cx="7692887" cy="4161817"/>
+          </a:xfrm>
+          <a:prstGeom prst="rect">
+            <a:avLst/>
+          </a:prstGeom>
+        </p:spPr>
+      </p:pic>
     </p:spTree>
     <p:extLst>
       <p:ext uri="{BB962C8B-B14F-4D97-AF65-F5344CB8AC3E}">
@@ -3914,14 +3944,14 @@
             </a:r>
             <a:r>
               <a:rPr lang="ar-DZ" sz="3200" dirty="0" smtClean="0"/>
-              <a:t>البالون</a:t>
+              <a:t>الخنفساء</a:t>
+            </a:r>
+            <a:r>
+              <a:rPr lang="fr-FR" sz="3200" dirty="0" err="1" smtClean="0"/>
+              <a:t>Beetle</a:t>
             </a:r>
             <a:r>
               <a:rPr lang="fr-FR" sz="3200" dirty="0" smtClean="0"/>
-              <a:t>Ballon</a:t>
-            </a:r>
-            <a:r>
-              <a:rPr lang="fr-FR" sz="3200" dirty="0"/>
               <a:t>) </a:t>
             </a:r>
             <a:r>
@@ -3930,7 +3960,15 @@
             </a:r>
             <a:r>
               <a:rPr lang="ar-DZ" sz="3200" dirty="0"/>
-              <a:t>نقوم بتكبير حجمه إلى 200 وتسميته بـ: "البالون" و نغيّر مكانه إلى </a:t>
+              <a:t>نقوم بتكبير حجمه إلى 200 وتسميته بـ: "</a:t>
+            </a:r>
+            <a:r>
+              <a:rPr lang="ar-DZ" sz="3200" dirty="0" smtClean="0"/>
+              <a:t>الخنفساء" </a:t>
+            </a:r>
+            <a:r>
+              <a:rPr lang="ar-DZ" sz="3200" dirty="0"/>
+              <a:t>و نغيّر مكانه إلى </a:t>
             </a:r>
             <a:r>
               <a:rPr lang="fr-FR" sz="3200" dirty="0"/>
@@ -4050,18 +4088,7 @@
                 <a:ea typeface="Times New Roman" panose="02020603050405020304" pitchFamily="18" charset="0"/>
                 <a:cs typeface="Times New Roman" panose="02020603050405020304" pitchFamily="18" charset="0"/>
               </a:rPr>
-              <a:t>نشاط </a:t>
-            </a:r>
-            <a:r>
-              <a:rPr lang="ar-DZ" sz="4000" b="1" u="sng" dirty="0" smtClean="0">
-                <a:solidFill>
-                  <a:srgbClr val="FF0000"/>
-                </a:solidFill>
-                <a:latin typeface="Calibri" panose="020F0502020204030204" pitchFamily="34" charset="0"/>
-                <a:ea typeface="Times New Roman" panose="02020603050405020304" pitchFamily="18" charset="0"/>
-                <a:cs typeface="Times New Roman" panose="02020603050405020304" pitchFamily="18" charset="0"/>
-              </a:rPr>
-              <a:t>01 :</a:t>
+              <a:t>نشاط 01 :</a:t>
             </a:r>
             <a:endParaRPr lang="fr-FR" sz="3200" b="1" dirty="0">
               <a:effectLst/>
@@ -4168,18 +4195,7 @@
                 <a:ea typeface="Times New Roman" panose="02020603050405020304" pitchFamily="18" charset="0"/>
                 <a:cs typeface="Times New Roman" panose="02020603050405020304" pitchFamily="18" charset="0"/>
               </a:rPr>
-              <a:t>نشاط </a:t>
-            </a:r>
-            <a:r>
-              <a:rPr lang="ar-DZ" sz="4000" b="1" u="sng" dirty="0" smtClean="0">
-                <a:solidFill>
-                  <a:srgbClr val="FF0000"/>
-                </a:solidFill>
-                <a:latin typeface="Calibri" panose="020F0502020204030204" pitchFamily="34" charset="0"/>
-                <a:ea typeface="Times New Roman" panose="02020603050405020304" pitchFamily="18" charset="0"/>
-                <a:cs typeface="Times New Roman" panose="02020603050405020304" pitchFamily="18" charset="0"/>
-              </a:rPr>
-              <a:t>02 :</a:t>
+              <a:t>نشاط 02 :</a:t>
             </a:r>
             <a:endParaRPr lang="fr-FR" sz="3200" b="1" dirty="0">
               <a:effectLst/>
@@ -4229,14 +4245,14 @@
             </a:r>
             <a:r>
               <a:rPr lang="ar-DZ" sz="3200" dirty="0" smtClean="0"/>
-              <a:t>البالون</a:t>
+              <a:t>الخنفساء</a:t>
+            </a:r>
+            <a:r>
+              <a:rPr lang="fr-FR" sz="3200" dirty="0" err="1" smtClean="0"/>
+              <a:t>Beetle</a:t>
             </a:r>
             <a:r>
               <a:rPr lang="fr-FR" sz="3200" dirty="0" smtClean="0"/>
-              <a:t>Ballon</a:t>
-            </a:r>
-            <a:r>
-              <a:rPr lang="fr-FR" sz="3200" dirty="0"/>
               <a:t>) </a:t>
             </a:r>
             <a:r>
@@ -4245,7 +4261,15 @@
             </a:r>
             <a:r>
               <a:rPr lang="ar-DZ" sz="3200" dirty="0"/>
-              <a:t>نقوم بتكبير حجمه إلى 200 وتسميته بـ: "البالون" و نغيّر مكانه إلى </a:t>
+              <a:t>نقوم بتكبير حجمه إلى 200 وتسميته بـ: "</a:t>
+            </a:r>
+            <a:r>
+              <a:rPr lang="ar-DZ" sz="3200" dirty="0" smtClean="0"/>
+              <a:t>الخنفساء" </a:t>
+            </a:r>
+            <a:r>
+              <a:rPr lang="ar-DZ" sz="3200" dirty="0"/>
+              <a:t>و نغيّر مكانه إلى </a:t>
             </a:r>
             <a:r>
               <a:rPr lang="fr-FR" sz="3200" dirty="0"/>
@@ -4384,18 +4408,7 @@
                 <a:ea typeface="Times New Roman" panose="02020603050405020304" pitchFamily="18" charset="0"/>
                 <a:cs typeface="Times New Roman" panose="02020603050405020304" pitchFamily="18" charset="0"/>
               </a:rPr>
-              <a:t>نشاط </a:t>
-            </a:r>
-            <a:r>
-              <a:rPr lang="ar-DZ" sz="4000" b="1" u="sng" dirty="0" smtClean="0">
-                <a:solidFill>
-                  <a:srgbClr val="FF0000"/>
-                </a:solidFill>
-                <a:latin typeface="Calibri" panose="020F0502020204030204" pitchFamily="34" charset="0"/>
-                <a:ea typeface="Times New Roman" panose="02020603050405020304" pitchFamily="18" charset="0"/>
-                <a:cs typeface="Times New Roman" panose="02020603050405020304" pitchFamily="18" charset="0"/>
-              </a:rPr>
-              <a:t>03 :</a:t>
+              <a:t>نشاط 03 :</a:t>
             </a:r>
             <a:endParaRPr lang="fr-FR" sz="3200" b="1" dirty="0">
               <a:effectLst/>
@@ -4556,15 +4569,7 @@
                   <a:srgbClr val="FF0000"/>
                 </a:solidFill>
               </a:rPr>
-              <a:t>1- إنشاء مشروع </a:t>
-            </a:r>
-            <a:r>
-              <a:rPr lang="ar-DZ" sz="3200" b="1" u="sng" dirty="0" smtClean="0">
-                <a:solidFill>
-                  <a:srgbClr val="FF0000"/>
-                </a:solidFill>
-              </a:rPr>
-              <a:t>:</a:t>
+              <a:t>1- إنشاء مشروع :</a:t>
             </a:r>
             <a:endParaRPr lang="fr-FR" sz="3200" b="1" dirty="0">
               <a:solidFill>
@@ -5180,7 +5185,23 @@
             </a:pPr>
             <a:r>
               <a:rPr lang="ar-SA" sz="3200" dirty="0"/>
-              <a:t>يمكن إضافة كائن جديد ب 03 طرق و هي : اختيار كائن من ملفات </a:t>
+              <a:t>يمكن إضافة كائن جديد ب </a:t>
+            </a:r>
+            <a:r>
+              <a:rPr lang="ar-SA" sz="3200" dirty="0" smtClean="0"/>
+              <a:t>0</a:t>
+            </a:r>
+            <a:r>
+              <a:rPr lang="ar-DZ" sz="3200" dirty="0"/>
+              <a:t>4</a:t>
+            </a:r>
+            <a:r>
+              <a:rPr lang="ar-SA" sz="3200" dirty="0" smtClean="0"/>
+              <a:t> </a:t>
+            </a:r>
+            <a:r>
+              <a:rPr lang="ar-SA" sz="3200" dirty="0"/>
+              <a:t>طرق و هي : اختيار كائن من ملفات </a:t>
             </a:r>
             <a:r>
               <a:rPr lang="ar-SA" sz="3200" dirty="0" err="1"/>
@@ -5188,7 +5209,35 @@
             </a:r>
             <a:r>
               <a:rPr lang="ar-SA" sz="3200" dirty="0"/>
-              <a:t>، رسم كائن أو اختيار كائن عشوائي.</a:t>
+              <a:t>، رسم </a:t>
+            </a:r>
+            <a:r>
+              <a:rPr lang="ar-SA" sz="3200" dirty="0" smtClean="0"/>
+              <a:t>كائن</a:t>
+            </a:r>
+            <a:r>
+              <a:rPr lang="ar-DZ" sz="3200" dirty="0" smtClean="0"/>
+              <a:t>،</a:t>
+            </a:r>
+            <a:r>
+              <a:rPr lang="ar-SA" sz="3200" dirty="0" smtClean="0"/>
+              <a:t> </a:t>
+            </a:r>
+            <a:r>
+              <a:rPr lang="ar-SA" sz="3200" dirty="0"/>
+              <a:t>اختيار كائن </a:t>
+            </a:r>
+            <a:r>
+              <a:rPr lang="ar-SA" sz="3200" dirty="0" smtClean="0"/>
+              <a:t>عشوائي</a:t>
+            </a:r>
+            <a:r>
+              <a:rPr lang="ar-DZ" sz="3200" dirty="0" smtClean="0"/>
+              <a:t> أو تحميل كائن من حاسوبك</a:t>
+            </a:r>
+            <a:r>
+              <a:rPr lang="ar-SA" sz="3200" dirty="0" smtClean="0"/>
+              <a:t>.</a:t>
             </a:r>
             <a:endParaRPr lang="fr-FR" sz="2400" dirty="0">
               <a:latin typeface="Calibri" panose="020F0502020204030204" pitchFamily="34" charset="0"/>
@@ -5344,8 +5393,8 @@
         </p:nvSpPr>
         <p:spPr>
           <a:xfrm>
-            <a:off x="5271032" y="1432356"/>
-            <a:ext cx="6681637" cy="1842812"/>
+            <a:off x="5036993" y="1432356"/>
+            <a:ext cx="6915676" cy="1878335"/>
           </a:xfrm>
           <a:prstGeom prst="rect">
             <a:avLst/>
@@ -5377,7 +5426,7 @@
               <a:rPr lang="ar-DZ" sz="3200" dirty="0" smtClean="0">
                 <a:cs typeface="+mj-cs"/>
               </a:rPr>
-              <a:t>البالون</a:t>
+              <a:t>الخنفساء</a:t>
             </a:r>
             <a:endParaRPr lang="ar-DZ" sz="3200" dirty="0" smtClean="0">
               <a:latin typeface="Calibri" panose="020F0502020204030204" pitchFamily="34" charset="0"/>
